--- a/Kräfte.pptx
+++ b/Kräfte.pptx
@@ -9,6 +9,10 @@
     <p:sldId id="257" r:id="rId3"/>
     <p:sldId id="258" r:id="rId4"/>
     <p:sldId id="259" r:id="rId5"/>
+    <p:sldId id="260" r:id="rId6"/>
+    <p:sldId id="261" r:id="rId7"/>
+    <p:sldId id="262" r:id="rId8"/>
+    <p:sldId id="263" r:id="rId9"/>
   </p:sldIdLst>
   <p:sldSz cx="12192000" cy="6858000"/>
   <p:notesSz cx="6858000" cy="9144000"/>
@@ -107,6 +111,11 @@
       </a:defRPr>
     </a:lvl9pPr>
   </p:defaultTextStyle>
+  <p:extLst>
+    <p:ext uri="{EFAFB233-063F-42B5-8137-9DF3F51BA10A}">
+      <p15:sldGuideLst xmlns:p15="http://schemas.microsoft.com/office/powerpoint/2012/main"/>
+    </p:ext>
+  </p:extLst>
 </p:presentation>
 </file>
 
@@ -152,10 +161,9 @@
           </a:lstStyle>
           <a:p>
             <a:r>
-              <a:rPr lang="de-DE" smtClean="0"/>
+              <a:rPr lang="de-DE"/>
               <a:t>Titelmasterformat durch Klicken bearbeiten</a:t>
             </a:r>
-            <a:endParaRPr lang="de-DE"/>
           </a:p>
         </p:txBody>
       </p:sp>
@@ -217,10 +225,9 @@
           </a:lstStyle>
           <a:p>
             <a:r>
-              <a:rPr lang="de-DE" smtClean="0"/>
+              <a:rPr lang="de-DE"/>
               <a:t>Formatvorlage des Untertitelmasters durch Klicken bearbeiten</a:t>
             </a:r>
-            <a:endParaRPr lang="de-DE"/>
           </a:p>
         </p:txBody>
       </p:sp>
@@ -241,7 +248,7 @@
           <a:p>
             <a:fld id="{28AC748A-7AE0-40FE-BB3C-639D4C3DF5F7}" type="datetimeFigureOut">
               <a:rPr lang="de-DE" smtClean="0"/>
-              <a:t>01.11.2019</a:t>
+              <a:t>06.11.2019</a:t>
             </a:fld>
             <a:endParaRPr lang="de-DE"/>
           </a:p>
@@ -335,10 +342,9 @@
           <a:lstStyle/>
           <a:p>
             <a:r>
-              <a:rPr lang="de-DE" smtClean="0"/>
+              <a:rPr lang="de-DE"/>
               <a:t>Titelmasterformat durch Klicken bearbeiten</a:t>
             </a:r>
-            <a:endParaRPr lang="de-DE"/>
           </a:p>
         </p:txBody>
       </p:sp>
@@ -359,38 +365,37 @@
           <a:p>
             <a:pPr lvl="0"/>
             <a:r>
-              <a:rPr lang="de-DE" smtClean="0"/>
+              <a:rPr lang="de-DE"/>
               <a:t>Formatvorlagen des Textmasters bearbeiten</a:t>
             </a:r>
           </a:p>
           <a:p>
             <a:pPr lvl="1"/>
             <a:r>
-              <a:rPr lang="de-DE" smtClean="0"/>
+              <a:rPr lang="de-DE"/>
               <a:t>Zweite Ebene</a:t>
             </a:r>
           </a:p>
           <a:p>
             <a:pPr lvl="2"/>
             <a:r>
-              <a:rPr lang="de-DE" smtClean="0"/>
+              <a:rPr lang="de-DE"/>
               <a:t>Dritte Ebene</a:t>
             </a:r>
           </a:p>
           <a:p>
             <a:pPr lvl="3"/>
             <a:r>
-              <a:rPr lang="de-DE" smtClean="0"/>
+              <a:rPr lang="de-DE"/>
               <a:t>Vierte Ebene</a:t>
             </a:r>
           </a:p>
           <a:p>
             <a:pPr lvl="4"/>
             <a:r>
-              <a:rPr lang="de-DE" smtClean="0"/>
+              <a:rPr lang="de-DE"/>
               <a:t>Fünfte Ebene</a:t>
             </a:r>
-            <a:endParaRPr lang="de-DE"/>
           </a:p>
         </p:txBody>
       </p:sp>
@@ -411,7 +416,7 @@
           <a:p>
             <a:fld id="{28AC748A-7AE0-40FE-BB3C-639D4C3DF5F7}" type="datetimeFigureOut">
               <a:rPr lang="de-DE" smtClean="0"/>
-              <a:t>01.11.2019</a:t>
+              <a:t>06.11.2019</a:t>
             </a:fld>
             <a:endParaRPr lang="de-DE"/>
           </a:p>
@@ -510,10 +515,9 @@
           <a:lstStyle/>
           <a:p>
             <a:r>
-              <a:rPr lang="de-DE" smtClean="0"/>
+              <a:rPr lang="de-DE"/>
               <a:t>Titelmasterformat durch Klicken bearbeiten</a:t>
             </a:r>
-            <a:endParaRPr lang="de-DE"/>
           </a:p>
         </p:txBody>
       </p:sp>
@@ -539,38 +543,37 @@
           <a:p>
             <a:pPr lvl="0"/>
             <a:r>
-              <a:rPr lang="de-DE" smtClean="0"/>
+              <a:rPr lang="de-DE"/>
               <a:t>Formatvorlagen des Textmasters bearbeiten</a:t>
             </a:r>
           </a:p>
           <a:p>
             <a:pPr lvl="1"/>
             <a:r>
-              <a:rPr lang="de-DE" smtClean="0"/>
+              <a:rPr lang="de-DE"/>
               <a:t>Zweite Ebene</a:t>
             </a:r>
           </a:p>
           <a:p>
             <a:pPr lvl="2"/>
             <a:r>
-              <a:rPr lang="de-DE" smtClean="0"/>
+              <a:rPr lang="de-DE"/>
               <a:t>Dritte Ebene</a:t>
             </a:r>
           </a:p>
           <a:p>
             <a:pPr lvl="3"/>
             <a:r>
-              <a:rPr lang="de-DE" smtClean="0"/>
+              <a:rPr lang="de-DE"/>
               <a:t>Vierte Ebene</a:t>
             </a:r>
           </a:p>
           <a:p>
             <a:pPr lvl="4"/>
             <a:r>
-              <a:rPr lang="de-DE" smtClean="0"/>
+              <a:rPr lang="de-DE"/>
               <a:t>Fünfte Ebene</a:t>
             </a:r>
-            <a:endParaRPr lang="de-DE"/>
           </a:p>
         </p:txBody>
       </p:sp>
@@ -591,7 +594,7 @@
           <a:p>
             <a:fld id="{28AC748A-7AE0-40FE-BB3C-639D4C3DF5F7}" type="datetimeFigureOut">
               <a:rPr lang="de-DE" smtClean="0"/>
-              <a:t>01.11.2019</a:t>
+              <a:t>06.11.2019</a:t>
             </a:fld>
             <a:endParaRPr lang="de-DE"/>
           </a:p>
@@ -685,10 +688,9 @@
           <a:lstStyle/>
           <a:p>
             <a:r>
-              <a:rPr lang="de-DE" smtClean="0"/>
+              <a:rPr lang="de-DE"/>
               <a:t>Titelmasterformat durch Klicken bearbeiten</a:t>
             </a:r>
-            <a:endParaRPr lang="de-DE"/>
           </a:p>
         </p:txBody>
       </p:sp>
@@ -709,38 +711,37 @@
           <a:p>
             <a:pPr lvl="0"/>
             <a:r>
-              <a:rPr lang="de-DE" smtClean="0"/>
+              <a:rPr lang="de-DE"/>
               <a:t>Formatvorlagen des Textmasters bearbeiten</a:t>
             </a:r>
           </a:p>
           <a:p>
             <a:pPr lvl="1"/>
             <a:r>
-              <a:rPr lang="de-DE" smtClean="0"/>
+              <a:rPr lang="de-DE"/>
               <a:t>Zweite Ebene</a:t>
             </a:r>
           </a:p>
           <a:p>
             <a:pPr lvl="2"/>
             <a:r>
-              <a:rPr lang="de-DE" smtClean="0"/>
+              <a:rPr lang="de-DE"/>
               <a:t>Dritte Ebene</a:t>
             </a:r>
           </a:p>
           <a:p>
             <a:pPr lvl="3"/>
             <a:r>
-              <a:rPr lang="de-DE" smtClean="0"/>
+              <a:rPr lang="de-DE"/>
               <a:t>Vierte Ebene</a:t>
             </a:r>
           </a:p>
           <a:p>
             <a:pPr lvl="4"/>
             <a:r>
-              <a:rPr lang="de-DE" smtClean="0"/>
+              <a:rPr lang="de-DE"/>
               <a:t>Fünfte Ebene</a:t>
             </a:r>
-            <a:endParaRPr lang="de-DE"/>
           </a:p>
         </p:txBody>
       </p:sp>
@@ -761,7 +762,7 @@
           <a:p>
             <a:fld id="{28AC748A-7AE0-40FE-BB3C-639D4C3DF5F7}" type="datetimeFigureOut">
               <a:rPr lang="de-DE" smtClean="0"/>
-              <a:t>01.11.2019</a:t>
+              <a:t>06.11.2019</a:t>
             </a:fld>
             <a:endParaRPr lang="de-DE"/>
           </a:p>
@@ -864,10 +865,9 @@
           </a:lstStyle>
           <a:p>
             <a:r>
-              <a:rPr lang="de-DE" smtClean="0"/>
+              <a:rPr lang="de-DE"/>
               <a:t>Titelmasterformat durch Klicken bearbeiten</a:t>
             </a:r>
-            <a:endParaRPr lang="de-DE"/>
           </a:p>
         </p:txBody>
       </p:sp>
@@ -984,7 +984,7 @@
           <a:p>
             <a:pPr lvl="0"/>
             <a:r>
-              <a:rPr lang="de-DE" smtClean="0"/>
+              <a:rPr lang="de-DE"/>
               <a:t>Formatvorlagen des Textmasters bearbeiten</a:t>
             </a:r>
           </a:p>
@@ -1007,7 +1007,7 @@
           <a:p>
             <a:fld id="{28AC748A-7AE0-40FE-BB3C-639D4C3DF5F7}" type="datetimeFigureOut">
               <a:rPr lang="de-DE" smtClean="0"/>
-              <a:t>01.11.2019</a:t>
+              <a:t>06.11.2019</a:t>
             </a:fld>
             <a:endParaRPr lang="de-DE"/>
           </a:p>
@@ -1101,10 +1101,9 @@
           <a:lstStyle/>
           <a:p>
             <a:r>
-              <a:rPr lang="de-DE" smtClean="0"/>
+              <a:rPr lang="de-DE"/>
               <a:t>Titelmasterformat durch Klicken bearbeiten</a:t>
             </a:r>
-            <a:endParaRPr lang="de-DE"/>
           </a:p>
         </p:txBody>
       </p:sp>
@@ -1130,38 +1129,37 @@
           <a:p>
             <a:pPr lvl="0"/>
             <a:r>
-              <a:rPr lang="de-DE" smtClean="0"/>
+              <a:rPr lang="de-DE"/>
               <a:t>Formatvorlagen des Textmasters bearbeiten</a:t>
             </a:r>
           </a:p>
           <a:p>
             <a:pPr lvl="1"/>
             <a:r>
-              <a:rPr lang="de-DE" smtClean="0"/>
+              <a:rPr lang="de-DE"/>
               <a:t>Zweite Ebene</a:t>
             </a:r>
           </a:p>
           <a:p>
             <a:pPr lvl="2"/>
             <a:r>
-              <a:rPr lang="de-DE" smtClean="0"/>
+              <a:rPr lang="de-DE"/>
               <a:t>Dritte Ebene</a:t>
             </a:r>
           </a:p>
           <a:p>
             <a:pPr lvl="3"/>
             <a:r>
-              <a:rPr lang="de-DE" smtClean="0"/>
+              <a:rPr lang="de-DE"/>
               <a:t>Vierte Ebene</a:t>
             </a:r>
           </a:p>
           <a:p>
             <a:pPr lvl="4"/>
             <a:r>
-              <a:rPr lang="de-DE" smtClean="0"/>
+              <a:rPr lang="de-DE"/>
               <a:t>Fünfte Ebene</a:t>
             </a:r>
-            <a:endParaRPr lang="de-DE"/>
           </a:p>
         </p:txBody>
       </p:sp>
@@ -1187,38 +1185,37 @@
           <a:p>
             <a:pPr lvl="0"/>
             <a:r>
-              <a:rPr lang="de-DE" smtClean="0"/>
+              <a:rPr lang="de-DE"/>
               <a:t>Formatvorlagen des Textmasters bearbeiten</a:t>
             </a:r>
           </a:p>
           <a:p>
             <a:pPr lvl="1"/>
             <a:r>
-              <a:rPr lang="de-DE" smtClean="0"/>
+              <a:rPr lang="de-DE"/>
               <a:t>Zweite Ebene</a:t>
             </a:r>
           </a:p>
           <a:p>
             <a:pPr lvl="2"/>
             <a:r>
-              <a:rPr lang="de-DE" smtClean="0"/>
+              <a:rPr lang="de-DE"/>
               <a:t>Dritte Ebene</a:t>
             </a:r>
           </a:p>
           <a:p>
             <a:pPr lvl="3"/>
             <a:r>
-              <a:rPr lang="de-DE" smtClean="0"/>
+              <a:rPr lang="de-DE"/>
               <a:t>Vierte Ebene</a:t>
             </a:r>
           </a:p>
           <a:p>
             <a:pPr lvl="4"/>
             <a:r>
-              <a:rPr lang="de-DE" smtClean="0"/>
+              <a:rPr lang="de-DE"/>
               <a:t>Fünfte Ebene</a:t>
             </a:r>
-            <a:endParaRPr lang="de-DE"/>
           </a:p>
         </p:txBody>
       </p:sp>
@@ -1239,7 +1236,7 @@
           <a:p>
             <a:fld id="{28AC748A-7AE0-40FE-BB3C-639D4C3DF5F7}" type="datetimeFigureOut">
               <a:rPr lang="de-DE" smtClean="0"/>
-              <a:t>01.11.2019</a:t>
+              <a:t>06.11.2019</a:t>
             </a:fld>
             <a:endParaRPr lang="de-DE"/>
           </a:p>
@@ -1338,10 +1335,9 @@
           <a:lstStyle/>
           <a:p>
             <a:r>
-              <a:rPr lang="de-DE" smtClean="0"/>
+              <a:rPr lang="de-DE"/>
               <a:t>Titelmasterformat durch Klicken bearbeiten</a:t>
             </a:r>
-            <a:endParaRPr lang="de-DE"/>
           </a:p>
         </p:txBody>
       </p:sp>
@@ -1404,7 +1400,7 @@
           <a:p>
             <a:pPr lvl="0"/>
             <a:r>
-              <a:rPr lang="de-DE" smtClean="0"/>
+              <a:rPr lang="de-DE"/>
               <a:t>Formatvorlagen des Textmasters bearbeiten</a:t>
             </a:r>
           </a:p>
@@ -1432,38 +1428,37 @@
           <a:p>
             <a:pPr lvl="0"/>
             <a:r>
-              <a:rPr lang="de-DE" smtClean="0"/>
+              <a:rPr lang="de-DE"/>
               <a:t>Formatvorlagen des Textmasters bearbeiten</a:t>
             </a:r>
           </a:p>
           <a:p>
             <a:pPr lvl="1"/>
             <a:r>
-              <a:rPr lang="de-DE" smtClean="0"/>
+              <a:rPr lang="de-DE"/>
               <a:t>Zweite Ebene</a:t>
             </a:r>
           </a:p>
           <a:p>
             <a:pPr lvl="2"/>
             <a:r>
-              <a:rPr lang="de-DE" smtClean="0"/>
+              <a:rPr lang="de-DE"/>
               <a:t>Dritte Ebene</a:t>
             </a:r>
           </a:p>
           <a:p>
             <a:pPr lvl="3"/>
             <a:r>
-              <a:rPr lang="de-DE" smtClean="0"/>
+              <a:rPr lang="de-DE"/>
               <a:t>Vierte Ebene</a:t>
             </a:r>
           </a:p>
           <a:p>
             <a:pPr lvl="4"/>
             <a:r>
-              <a:rPr lang="de-DE" smtClean="0"/>
+              <a:rPr lang="de-DE"/>
               <a:t>Fünfte Ebene</a:t>
             </a:r>
-            <a:endParaRPr lang="de-DE"/>
           </a:p>
         </p:txBody>
       </p:sp>
@@ -1526,7 +1521,7 @@
           <a:p>
             <a:pPr lvl="0"/>
             <a:r>
-              <a:rPr lang="de-DE" smtClean="0"/>
+              <a:rPr lang="de-DE"/>
               <a:t>Formatvorlagen des Textmasters bearbeiten</a:t>
             </a:r>
           </a:p>
@@ -1554,38 +1549,37 @@
           <a:p>
             <a:pPr lvl="0"/>
             <a:r>
-              <a:rPr lang="de-DE" smtClean="0"/>
+              <a:rPr lang="de-DE"/>
               <a:t>Formatvorlagen des Textmasters bearbeiten</a:t>
             </a:r>
           </a:p>
           <a:p>
             <a:pPr lvl="1"/>
             <a:r>
-              <a:rPr lang="de-DE" smtClean="0"/>
+              <a:rPr lang="de-DE"/>
               <a:t>Zweite Ebene</a:t>
             </a:r>
           </a:p>
           <a:p>
             <a:pPr lvl="2"/>
             <a:r>
-              <a:rPr lang="de-DE" smtClean="0"/>
+              <a:rPr lang="de-DE"/>
               <a:t>Dritte Ebene</a:t>
             </a:r>
           </a:p>
           <a:p>
             <a:pPr lvl="3"/>
             <a:r>
-              <a:rPr lang="de-DE" smtClean="0"/>
+              <a:rPr lang="de-DE"/>
               <a:t>Vierte Ebene</a:t>
             </a:r>
           </a:p>
           <a:p>
             <a:pPr lvl="4"/>
             <a:r>
-              <a:rPr lang="de-DE" smtClean="0"/>
+              <a:rPr lang="de-DE"/>
               <a:t>Fünfte Ebene</a:t>
             </a:r>
-            <a:endParaRPr lang="de-DE"/>
           </a:p>
         </p:txBody>
       </p:sp>
@@ -1606,7 +1600,7 @@
           <a:p>
             <a:fld id="{28AC748A-7AE0-40FE-BB3C-639D4C3DF5F7}" type="datetimeFigureOut">
               <a:rPr lang="de-DE" smtClean="0"/>
-              <a:t>01.11.2019</a:t>
+              <a:t>06.11.2019</a:t>
             </a:fld>
             <a:endParaRPr lang="de-DE"/>
           </a:p>
@@ -1700,10 +1694,9 @@
           <a:lstStyle/>
           <a:p>
             <a:r>
-              <a:rPr lang="de-DE" smtClean="0"/>
+              <a:rPr lang="de-DE"/>
               <a:t>Titelmasterformat durch Klicken bearbeiten</a:t>
             </a:r>
-            <a:endParaRPr lang="de-DE"/>
           </a:p>
         </p:txBody>
       </p:sp>
@@ -1724,7 +1717,7 @@
           <a:p>
             <a:fld id="{28AC748A-7AE0-40FE-BB3C-639D4C3DF5F7}" type="datetimeFigureOut">
               <a:rPr lang="de-DE" smtClean="0"/>
-              <a:t>01.11.2019</a:t>
+              <a:t>06.11.2019</a:t>
             </a:fld>
             <a:endParaRPr lang="de-DE"/>
           </a:p>
@@ -1819,7 +1812,7 @@
           <a:p>
             <a:fld id="{28AC748A-7AE0-40FE-BB3C-639D4C3DF5F7}" type="datetimeFigureOut">
               <a:rPr lang="de-DE" smtClean="0"/>
-              <a:t>01.11.2019</a:t>
+              <a:t>06.11.2019</a:t>
             </a:fld>
             <a:endParaRPr lang="de-DE"/>
           </a:p>
@@ -1922,10 +1915,9 @@
           </a:lstStyle>
           <a:p>
             <a:r>
-              <a:rPr lang="de-DE" smtClean="0"/>
+              <a:rPr lang="de-DE"/>
               <a:t>Titelmasterformat durch Klicken bearbeiten</a:t>
             </a:r>
-            <a:endParaRPr lang="de-DE"/>
           </a:p>
         </p:txBody>
       </p:sp>
@@ -1979,38 +1971,37 @@
           <a:p>
             <a:pPr lvl="0"/>
             <a:r>
-              <a:rPr lang="de-DE" smtClean="0"/>
+              <a:rPr lang="de-DE"/>
               <a:t>Formatvorlagen des Textmasters bearbeiten</a:t>
             </a:r>
           </a:p>
           <a:p>
             <a:pPr lvl="1"/>
             <a:r>
-              <a:rPr lang="de-DE" smtClean="0"/>
+              <a:rPr lang="de-DE"/>
               <a:t>Zweite Ebene</a:t>
             </a:r>
           </a:p>
           <a:p>
             <a:pPr lvl="2"/>
             <a:r>
-              <a:rPr lang="de-DE" smtClean="0"/>
+              <a:rPr lang="de-DE"/>
               <a:t>Dritte Ebene</a:t>
             </a:r>
           </a:p>
           <a:p>
             <a:pPr lvl="3"/>
             <a:r>
-              <a:rPr lang="de-DE" smtClean="0"/>
+              <a:rPr lang="de-DE"/>
               <a:t>Vierte Ebene</a:t>
             </a:r>
           </a:p>
           <a:p>
             <a:pPr lvl="4"/>
             <a:r>
-              <a:rPr lang="de-DE" smtClean="0"/>
+              <a:rPr lang="de-DE"/>
               <a:t>Fünfte Ebene</a:t>
             </a:r>
-            <a:endParaRPr lang="de-DE"/>
           </a:p>
         </p:txBody>
       </p:sp>
@@ -2073,7 +2064,7 @@
           <a:p>
             <a:pPr lvl="0"/>
             <a:r>
-              <a:rPr lang="de-DE" smtClean="0"/>
+              <a:rPr lang="de-DE"/>
               <a:t>Formatvorlagen des Textmasters bearbeiten</a:t>
             </a:r>
           </a:p>
@@ -2096,7 +2087,7 @@
           <a:p>
             <a:fld id="{28AC748A-7AE0-40FE-BB3C-639D4C3DF5F7}" type="datetimeFigureOut">
               <a:rPr lang="de-DE" smtClean="0"/>
-              <a:t>01.11.2019</a:t>
+              <a:t>06.11.2019</a:t>
             </a:fld>
             <a:endParaRPr lang="de-DE"/>
           </a:p>
@@ -2199,10 +2190,9 @@
           </a:lstStyle>
           <a:p>
             <a:r>
-              <a:rPr lang="de-DE" smtClean="0"/>
+              <a:rPr lang="de-DE"/>
               <a:t>Titelmasterformat durch Klicken bearbeiten</a:t>
             </a:r>
-            <a:endParaRPr lang="de-DE"/>
           </a:p>
         </p:txBody>
       </p:sp>
@@ -2326,7 +2316,7 @@
           <a:p>
             <a:pPr lvl="0"/>
             <a:r>
-              <a:rPr lang="de-DE" smtClean="0"/>
+              <a:rPr lang="de-DE"/>
               <a:t>Formatvorlagen des Textmasters bearbeiten</a:t>
             </a:r>
           </a:p>
@@ -2349,7 +2339,7 @@
           <a:p>
             <a:fld id="{28AC748A-7AE0-40FE-BB3C-639D4C3DF5F7}" type="datetimeFigureOut">
               <a:rPr lang="de-DE" smtClean="0"/>
-              <a:t>01.11.2019</a:t>
+              <a:t>06.11.2019</a:t>
             </a:fld>
             <a:endParaRPr lang="de-DE"/>
           </a:p>
@@ -2458,10 +2448,9 @@
           <a:lstStyle/>
           <a:p>
             <a:r>
-              <a:rPr lang="de-DE" smtClean="0"/>
+              <a:rPr lang="de-DE"/>
               <a:t>Titelmasterformat durch Klicken bearbeiten</a:t>
             </a:r>
-            <a:endParaRPr lang="de-DE"/>
           </a:p>
         </p:txBody>
       </p:sp>
@@ -2492,38 +2481,37 @@
           <a:p>
             <a:pPr lvl="0"/>
             <a:r>
-              <a:rPr lang="de-DE" smtClean="0"/>
+              <a:rPr lang="de-DE"/>
               <a:t>Formatvorlagen des Textmasters bearbeiten</a:t>
             </a:r>
           </a:p>
           <a:p>
             <a:pPr lvl="1"/>
             <a:r>
-              <a:rPr lang="de-DE" smtClean="0"/>
+              <a:rPr lang="de-DE"/>
               <a:t>Zweite Ebene</a:t>
             </a:r>
           </a:p>
           <a:p>
             <a:pPr lvl="2"/>
             <a:r>
-              <a:rPr lang="de-DE" smtClean="0"/>
+              <a:rPr lang="de-DE"/>
               <a:t>Dritte Ebene</a:t>
             </a:r>
           </a:p>
           <a:p>
             <a:pPr lvl="3"/>
             <a:r>
-              <a:rPr lang="de-DE" smtClean="0"/>
+              <a:rPr lang="de-DE"/>
               <a:t>Vierte Ebene</a:t>
             </a:r>
           </a:p>
           <a:p>
             <a:pPr lvl="4"/>
             <a:r>
-              <a:rPr lang="de-DE" smtClean="0"/>
+              <a:rPr lang="de-DE"/>
               <a:t>Fünfte Ebene</a:t>
             </a:r>
-            <a:endParaRPr lang="de-DE"/>
           </a:p>
         </p:txBody>
       </p:sp>
@@ -2562,7 +2550,7 @@
           <a:p>
             <a:fld id="{28AC748A-7AE0-40FE-BB3C-639D4C3DF5F7}" type="datetimeFigureOut">
               <a:rPr lang="de-DE" smtClean="0"/>
-              <a:t>01.11.2019</a:t>
+              <a:t>06.11.2019</a:t>
             </a:fld>
             <a:endParaRPr lang="de-DE"/>
           </a:p>
@@ -3194,8 +3182,8 @@
           </a:p>
         </p:txBody>
       </p:sp>
-      <mc:AlternateContent xmlns:mc="http://schemas.openxmlformats.org/markup-compatibility/2006">
-        <mc:Choice xmlns:a14="http://schemas.microsoft.com/office/drawing/2010/main" Requires="a14">
+      <mc:AlternateContent xmlns:mc="http://schemas.openxmlformats.org/markup-compatibility/2006" xmlns:a14="http://schemas.microsoft.com/office/drawing/2010/main">
+        <mc:Choice Requires="a14">
           <p:sp>
             <p:nvSpPr>
               <p:cNvPr id="30" name="Textfeld 29"/>
@@ -3218,6 +3206,7 @@
               </a:bodyPr>
               <a:lstStyle/>
               <a:p>
+                <a:pPr/>
                 <a14:m>
                   <m:oMathPara xmlns:m="http://schemas.openxmlformats.org/officeDocument/2006/math">
                     <m:oMathParaPr>
@@ -3257,7 +3246,7 @@
             </p:txBody>
           </p:sp>
         </mc:Choice>
-        <mc:Fallback>
+        <mc:Fallback xmlns="">
           <p:sp>
             <p:nvSpPr>
               <p:cNvPr id="30" name="Textfeld 29"/>
@@ -3296,8 +3285,8 @@
           </p:sp>
         </mc:Fallback>
       </mc:AlternateContent>
-      <mc:AlternateContent xmlns:mc="http://schemas.openxmlformats.org/markup-compatibility/2006">
-        <mc:Choice xmlns:a14="http://schemas.microsoft.com/office/drawing/2010/main" Requires="a14">
+      <mc:AlternateContent xmlns:mc="http://schemas.openxmlformats.org/markup-compatibility/2006" xmlns:a14="http://schemas.microsoft.com/office/drawing/2010/main">
+        <mc:Choice Requires="a14">
           <p:sp>
             <p:nvSpPr>
               <p:cNvPr id="31" name="Textfeld 30"/>
@@ -3320,6 +3309,7 @@
               </a:bodyPr>
               <a:lstStyle/>
               <a:p>
+                <a:pPr/>
                 <a14:m>
                   <m:oMathPara xmlns:m="http://schemas.openxmlformats.org/officeDocument/2006/math">
                     <m:oMathParaPr>
@@ -3359,7 +3349,7 @@
             </p:txBody>
           </p:sp>
         </mc:Choice>
-        <mc:Fallback>
+        <mc:Fallback xmlns="">
           <p:sp>
             <p:nvSpPr>
               <p:cNvPr id="31" name="Textfeld 30"/>
@@ -3398,8 +3388,8 @@
           </p:sp>
         </mc:Fallback>
       </mc:AlternateContent>
-      <mc:AlternateContent xmlns:mc="http://schemas.openxmlformats.org/markup-compatibility/2006">
-        <mc:Choice xmlns:a14="http://schemas.microsoft.com/office/drawing/2010/main" Requires="a14">
+      <mc:AlternateContent xmlns:mc="http://schemas.openxmlformats.org/markup-compatibility/2006" xmlns:a14="http://schemas.microsoft.com/office/drawing/2010/main">
+        <mc:Choice Requires="a14">
           <p:sp>
             <p:nvSpPr>
               <p:cNvPr id="32" name="Textfeld 31"/>
@@ -3422,6 +3412,7 @@
               </a:bodyPr>
               <a:lstStyle/>
               <a:p>
+                <a:pPr/>
                 <a14:m>
                   <m:oMathPara xmlns:m="http://schemas.openxmlformats.org/officeDocument/2006/math">
                     <m:oMathParaPr>
@@ -3461,7 +3452,7 @@
             </p:txBody>
           </p:sp>
         </mc:Choice>
-        <mc:Fallback>
+        <mc:Fallback xmlns="">
           <p:sp>
             <p:nvSpPr>
               <p:cNvPr id="32" name="Textfeld 31"/>
@@ -3510,13 +3501,6 @@
   <p:clrMapOvr>
     <a:masterClrMapping/>
   </p:clrMapOvr>
-  <p:timing>
-    <p:tnLst>
-      <p:par>
-        <p:cTn id="1" dur="indefinite" restart="never" nodeType="tmRoot"/>
-      </p:par>
-    </p:tnLst>
-  </p:timing>
 </p:sld>
 </file>
 
@@ -3764,8 +3748,8 @@
           </a:p>
         </p:txBody>
       </p:sp>
-      <mc:AlternateContent xmlns:mc="http://schemas.openxmlformats.org/markup-compatibility/2006">
-        <mc:Choice xmlns:a14="http://schemas.microsoft.com/office/drawing/2010/main" Requires="a14">
+      <mc:AlternateContent xmlns:mc="http://schemas.openxmlformats.org/markup-compatibility/2006" xmlns:a14="http://schemas.microsoft.com/office/drawing/2010/main">
+        <mc:Choice Requires="a14">
           <p:sp>
             <p:nvSpPr>
               <p:cNvPr id="7" name="Textfeld 6"/>
@@ -3788,6 +3772,7 @@
               </a:bodyPr>
               <a:lstStyle/>
               <a:p>
+                <a:pPr/>
                 <a14:m>
                   <m:oMathPara xmlns:m="http://schemas.openxmlformats.org/officeDocument/2006/math">
                     <m:oMathParaPr>
@@ -3827,7 +3812,7 @@
             </p:txBody>
           </p:sp>
         </mc:Choice>
-        <mc:Fallback>
+        <mc:Fallback xmlns="">
           <p:sp>
             <p:nvSpPr>
               <p:cNvPr id="7" name="Textfeld 6"/>
@@ -3899,8 +3884,8 @@
           </a:fontRef>
         </p:style>
       </p:cxnSp>
-      <mc:AlternateContent xmlns:mc="http://schemas.openxmlformats.org/markup-compatibility/2006">
-        <mc:Choice xmlns:a14="http://schemas.microsoft.com/office/drawing/2010/main" Requires="a14">
+      <mc:AlternateContent xmlns:mc="http://schemas.openxmlformats.org/markup-compatibility/2006" xmlns:a14="http://schemas.microsoft.com/office/drawing/2010/main">
+        <mc:Choice Requires="a14">
           <p:sp>
             <p:nvSpPr>
               <p:cNvPr id="13" name="Textfeld 12"/>
@@ -3923,6 +3908,7 @@
               </a:bodyPr>
               <a:lstStyle/>
               <a:p>
+                <a:pPr/>
                 <a14:m>
                   <m:oMathPara xmlns:m="http://schemas.openxmlformats.org/officeDocument/2006/math">
                     <m:oMathParaPr>
@@ -3962,7 +3948,7 @@
             </p:txBody>
           </p:sp>
         </mc:Choice>
-        <mc:Fallback>
+        <mc:Fallback xmlns="">
           <p:sp>
             <p:nvSpPr>
               <p:cNvPr id="13" name="Textfeld 12"/>
@@ -4001,8 +3987,8 @@
           </p:sp>
         </mc:Fallback>
       </mc:AlternateContent>
-      <mc:AlternateContent xmlns:mc="http://schemas.openxmlformats.org/markup-compatibility/2006">
-        <mc:Choice xmlns:a14="http://schemas.microsoft.com/office/drawing/2010/main" Requires="a14">
+      <mc:AlternateContent xmlns:mc="http://schemas.openxmlformats.org/markup-compatibility/2006" xmlns:a14="http://schemas.microsoft.com/office/drawing/2010/main">
+        <mc:Choice Requires="a14">
           <p:sp>
             <p:nvSpPr>
               <p:cNvPr id="14" name="Textfeld 13"/>
@@ -4025,6 +4011,7 @@
               </a:bodyPr>
               <a:lstStyle/>
               <a:p>
+                <a:pPr/>
                 <a14:m>
                   <m:oMathPara xmlns:m="http://schemas.openxmlformats.org/officeDocument/2006/math">
                     <m:oMathParaPr>
@@ -4064,7 +4051,7 @@
             </p:txBody>
           </p:sp>
         </mc:Choice>
-        <mc:Fallback>
+        <mc:Fallback xmlns="">
           <p:sp>
             <p:nvSpPr>
               <p:cNvPr id="14" name="Textfeld 13"/>
@@ -4103,8 +4090,8 @@
           </p:sp>
         </mc:Fallback>
       </mc:AlternateContent>
-      <mc:AlternateContent xmlns:mc="http://schemas.openxmlformats.org/markup-compatibility/2006">
-        <mc:Choice xmlns:a14="http://schemas.microsoft.com/office/drawing/2010/main" Requires="a14">
+      <mc:AlternateContent xmlns:mc="http://schemas.openxmlformats.org/markup-compatibility/2006" xmlns:a14="http://schemas.microsoft.com/office/drawing/2010/main">
+        <mc:Choice Requires="a14">
           <p:sp>
             <p:nvSpPr>
               <p:cNvPr id="15" name="Textfeld 14"/>
@@ -4127,6 +4114,7 @@
               </a:bodyPr>
               <a:lstStyle/>
               <a:p>
+                <a:pPr/>
                 <a14:m>
                   <m:oMathPara xmlns:m="http://schemas.openxmlformats.org/officeDocument/2006/math">
                     <m:oMathParaPr>
@@ -4172,7 +4160,7 @@
             </p:txBody>
           </p:sp>
         </mc:Choice>
-        <mc:Fallback>
+        <mc:Fallback xmlns="">
           <p:sp>
             <p:nvSpPr>
               <p:cNvPr id="15" name="Textfeld 14"/>
@@ -4221,13 +4209,6 @@
   <p:clrMapOvr>
     <a:masterClrMapping/>
   </p:clrMapOvr>
-  <p:timing>
-    <p:tnLst>
-      <p:par>
-        <p:cTn id="1" dur="indefinite" restart="never" nodeType="tmRoot"/>
-      </p:par>
-    </p:tnLst>
-  </p:timing>
 </p:sld>
 </file>
 
@@ -4397,8 +4378,8 @@
           </a:fontRef>
         </p:style>
       </p:cxnSp>
-      <mc:AlternateContent xmlns:mc="http://schemas.openxmlformats.org/markup-compatibility/2006">
-        <mc:Choice xmlns:a14="http://schemas.microsoft.com/office/drawing/2010/main" Requires="a14">
+      <mc:AlternateContent xmlns:mc="http://schemas.openxmlformats.org/markup-compatibility/2006" xmlns:a14="http://schemas.microsoft.com/office/drawing/2010/main">
+        <mc:Choice Requires="a14">
           <p:sp>
             <p:nvSpPr>
               <p:cNvPr id="7" name="Textfeld 6"/>
@@ -4421,6 +4402,7 @@
               </a:bodyPr>
               <a:lstStyle/>
               <a:p>
+                <a:pPr/>
                 <a14:m>
                   <m:oMathPara xmlns:m="http://schemas.openxmlformats.org/officeDocument/2006/math">
                     <m:oMathParaPr>
@@ -4460,7 +4442,7 @@
             </p:txBody>
           </p:sp>
         </mc:Choice>
-        <mc:Fallback>
+        <mc:Fallback xmlns="">
           <p:sp>
             <p:nvSpPr>
               <p:cNvPr id="7" name="Textfeld 6"/>
@@ -4532,8 +4514,8 @@
           </a:fontRef>
         </p:style>
       </p:cxnSp>
-      <mc:AlternateContent xmlns:mc="http://schemas.openxmlformats.org/markup-compatibility/2006">
-        <mc:Choice xmlns:a14="http://schemas.microsoft.com/office/drawing/2010/main" Requires="a14">
+      <mc:AlternateContent xmlns:mc="http://schemas.openxmlformats.org/markup-compatibility/2006" xmlns:a14="http://schemas.microsoft.com/office/drawing/2010/main">
+        <mc:Choice Requires="a14">
           <p:sp>
             <p:nvSpPr>
               <p:cNvPr id="9" name="Textfeld 8"/>
@@ -4556,6 +4538,7 @@
               </a:bodyPr>
               <a:lstStyle/>
               <a:p>
+                <a:pPr/>
                 <a14:m>
                   <m:oMathPara xmlns:m="http://schemas.openxmlformats.org/officeDocument/2006/math">
                     <m:oMathParaPr>
@@ -4595,7 +4578,7 @@
             </p:txBody>
           </p:sp>
         </mc:Choice>
-        <mc:Fallback>
+        <mc:Fallback xmlns="">
           <p:sp>
             <p:nvSpPr>
               <p:cNvPr id="9" name="Textfeld 8"/>
@@ -4634,8 +4617,8 @@
           </p:sp>
         </mc:Fallback>
       </mc:AlternateContent>
-      <mc:AlternateContent xmlns:mc="http://schemas.openxmlformats.org/markup-compatibility/2006">
-        <mc:Choice xmlns:a14="http://schemas.microsoft.com/office/drawing/2010/main" Requires="a14">
+      <mc:AlternateContent xmlns:mc="http://schemas.openxmlformats.org/markup-compatibility/2006" xmlns:a14="http://schemas.microsoft.com/office/drawing/2010/main">
+        <mc:Choice Requires="a14">
           <p:sp>
             <p:nvSpPr>
               <p:cNvPr id="10" name="Textfeld 9"/>
@@ -4658,6 +4641,7 @@
               </a:bodyPr>
               <a:lstStyle/>
               <a:p>
+                <a:pPr/>
                 <a14:m>
                   <m:oMathPara xmlns:m="http://schemas.openxmlformats.org/officeDocument/2006/math">
                     <m:oMathParaPr>
@@ -4697,7 +4681,7 @@
             </p:txBody>
           </p:sp>
         </mc:Choice>
-        <mc:Fallback>
+        <mc:Fallback xmlns="">
           <p:sp>
             <p:nvSpPr>
               <p:cNvPr id="10" name="Textfeld 9"/>
@@ -4790,13 +4774,6 @@
   <p:clrMapOvr>
     <a:masterClrMapping/>
   </p:clrMapOvr>
-  <p:timing>
-    <p:tnLst>
-      <p:par>
-        <p:cTn id="1" dur="indefinite" restart="never" nodeType="tmRoot"/>
-      </p:par>
-    </p:tnLst>
-  </p:timing>
 </p:sld>
 </file>
 
@@ -4966,8 +4943,8 @@
           </a:fontRef>
         </p:style>
       </p:cxnSp>
-      <mc:AlternateContent xmlns:mc="http://schemas.openxmlformats.org/markup-compatibility/2006">
-        <mc:Choice xmlns:a14="http://schemas.microsoft.com/office/drawing/2010/main" Requires="a14">
+      <mc:AlternateContent xmlns:mc="http://schemas.openxmlformats.org/markup-compatibility/2006" xmlns:a14="http://schemas.microsoft.com/office/drawing/2010/main">
+        <mc:Choice Requires="a14">
           <p:sp>
             <p:nvSpPr>
               <p:cNvPr id="5" name="Textfeld 4"/>
@@ -4990,6 +4967,7 @@
               </a:bodyPr>
               <a:lstStyle/>
               <a:p>
+                <a:pPr/>
                 <a14:m>
                   <m:oMathPara xmlns:m="http://schemas.openxmlformats.org/officeDocument/2006/math">
                     <m:oMathParaPr>
@@ -5029,7 +5007,7 @@
             </p:txBody>
           </p:sp>
         </mc:Choice>
-        <mc:Fallback>
+        <mc:Fallback xmlns="">
           <p:sp>
             <p:nvSpPr>
               <p:cNvPr id="5" name="Textfeld 4"/>
@@ -5101,8 +5079,8 @@
           </a:fontRef>
         </p:style>
       </p:cxnSp>
-      <mc:AlternateContent xmlns:mc="http://schemas.openxmlformats.org/markup-compatibility/2006">
-        <mc:Choice xmlns:a14="http://schemas.microsoft.com/office/drawing/2010/main" Requires="a14">
+      <mc:AlternateContent xmlns:mc="http://schemas.openxmlformats.org/markup-compatibility/2006" xmlns:a14="http://schemas.microsoft.com/office/drawing/2010/main">
+        <mc:Choice Requires="a14">
           <p:sp>
             <p:nvSpPr>
               <p:cNvPr id="7" name="Textfeld 6"/>
@@ -5125,6 +5103,7 @@
               </a:bodyPr>
               <a:lstStyle/>
               <a:p>
+                <a:pPr/>
                 <a14:m>
                   <m:oMathPara xmlns:m="http://schemas.openxmlformats.org/officeDocument/2006/math">
                     <m:oMathParaPr>
@@ -5164,7 +5143,7 @@
             </p:txBody>
           </p:sp>
         </mc:Choice>
-        <mc:Fallback>
+        <mc:Fallback xmlns="">
           <p:sp>
             <p:nvSpPr>
               <p:cNvPr id="7" name="Textfeld 6"/>
@@ -5203,8 +5182,8 @@
           </p:sp>
         </mc:Fallback>
       </mc:AlternateContent>
-      <mc:AlternateContent xmlns:mc="http://schemas.openxmlformats.org/markup-compatibility/2006">
-        <mc:Choice xmlns:a14="http://schemas.microsoft.com/office/drawing/2010/main" Requires="a14">
+      <mc:AlternateContent xmlns:mc="http://schemas.openxmlformats.org/markup-compatibility/2006" xmlns:a14="http://schemas.microsoft.com/office/drawing/2010/main">
+        <mc:Choice Requires="a14">
           <p:sp>
             <p:nvSpPr>
               <p:cNvPr id="8" name="Textfeld 7"/>
@@ -5227,6 +5206,7 @@
               </a:bodyPr>
               <a:lstStyle/>
               <a:p>
+                <a:pPr/>
                 <a14:m>
                   <m:oMathPara xmlns:m="http://schemas.openxmlformats.org/officeDocument/2006/math">
                     <m:oMathParaPr>
@@ -5266,7 +5246,7 @@
             </p:txBody>
           </p:sp>
         </mc:Choice>
-        <mc:Fallback>
+        <mc:Fallback xmlns="">
           <p:sp>
             <p:nvSpPr>
               <p:cNvPr id="8" name="Textfeld 7"/>
@@ -5382,8 +5362,8 @@
           </a:fontRef>
         </p:style>
       </p:cxnSp>
-      <mc:AlternateContent xmlns:mc="http://schemas.openxmlformats.org/markup-compatibility/2006">
-        <mc:Choice xmlns:a14="http://schemas.microsoft.com/office/drawing/2010/main" Requires="a14">
+      <mc:AlternateContent xmlns:mc="http://schemas.openxmlformats.org/markup-compatibility/2006" xmlns:a14="http://schemas.microsoft.com/office/drawing/2010/main">
+        <mc:Choice Requires="a14">
           <p:sp>
             <p:nvSpPr>
               <p:cNvPr id="14" name="Textfeld 13"/>
@@ -5406,6 +5386,7 @@
               </a:bodyPr>
               <a:lstStyle/>
               <a:p>
+                <a:pPr/>
                 <a14:m>
                   <m:oMathPara xmlns:m="http://schemas.openxmlformats.org/officeDocument/2006/math">
                     <m:oMathParaPr>
@@ -5445,7 +5426,7 @@
             </p:txBody>
           </p:sp>
         </mc:Choice>
-        <mc:Fallback>
+        <mc:Fallback xmlns="">
           <p:sp>
             <p:nvSpPr>
               <p:cNvPr id="14" name="Textfeld 13"/>
@@ -5494,13 +5475,2870 @@
   <p:clrMapOvr>
     <a:masterClrMapping/>
   </p:clrMapOvr>
-  <p:timing>
-    <p:tnLst>
-      <p:par>
-        <p:cTn id="1" dur="indefinite" restart="never" nodeType="tmRoot"/>
-      </p:par>
-    </p:tnLst>
-  </p:timing>
+</p:sld>
+</file>
+
+<file path=ppt/slides/slide5.xml><?xml version="1.0" encoding="utf-8"?>
+<p:sld xmlns:a="http://schemas.openxmlformats.org/drawingml/2006/main" xmlns:r="http://schemas.openxmlformats.org/officeDocument/2006/relationships" xmlns:p="http://schemas.openxmlformats.org/presentationml/2006/main">
+  <p:cSld>
+    <p:spTree>
+      <p:nvGrpSpPr>
+        <p:cNvPr id="1" name=""/>
+        <p:cNvGrpSpPr/>
+        <p:nvPr/>
+      </p:nvGrpSpPr>
+      <p:grpSpPr>
+        <a:xfrm>
+          <a:off x="0" y="0"/>
+          <a:ext cx="0" cy="0"/>
+          <a:chOff x="0" y="0"/>
+          <a:chExt cx="0" cy="0"/>
+        </a:xfrm>
+      </p:grpSpPr>
+      <p:cxnSp>
+        <p:nvCxnSpPr>
+          <p:cNvPr id="3" name="Gerader Verbinder 2">
+            <a:extLst>
+              <a:ext uri="{FF2B5EF4-FFF2-40B4-BE49-F238E27FC236}">
+                <a16:creationId xmlns:a16="http://schemas.microsoft.com/office/drawing/2014/main" id="{7AD613B5-C4B9-4612-9844-24279DEB143D}"/>
+              </a:ext>
+            </a:extLst>
+          </p:cNvPr>
+          <p:cNvCxnSpPr/>
+          <p:nvPr/>
+        </p:nvCxnSpPr>
+        <p:spPr>
+          <a:xfrm flipV="1">
+            <a:off x="1410789" y="1776548"/>
+            <a:ext cx="2782388" cy="1"/>
+          </a:xfrm>
+          <a:prstGeom prst="line">
+            <a:avLst/>
+          </a:prstGeom>
+        </p:spPr>
+        <p:style>
+          <a:lnRef idx="1">
+            <a:schemeClr val="dk1"/>
+          </a:lnRef>
+          <a:fillRef idx="0">
+            <a:schemeClr val="dk1"/>
+          </a:fillRef>
+          <a:effectRef idx="0">
+            <a:schemeClr val="dk1"/>
+          </a:effectRef>
+          <a:fontRef idx="minor">
+            <a:schemeClr val="tx1"/>
+          </a:fontRef>
+        </p:style>
+      </p:cxnSp>
+      <p:cxnSp>
+        <p:nvCxnSpPr>
+          <p:cNvPr id="4" name="Gerade Verbindung mit Pfeil 3">
+            <a:extLst>
+              <a:ext uri="{FF2B5EF4-FFF2-40B4-BE49-F238E27FC236}">
+                <a16:creationId xmlns:a16="http://schemas.microsoft.com/office/drawing/2014/main" id="{E3D2F024-F11F-42FB-8975-39E4D399F69A}"/>
+              </a:ext>
+            </a:extLst>
+          </p:cNvPr>
+          <p:cNvCxnSpPr>
+            <a:cxnSpLocks/>
+          </p:cNvCxnSpPr>
+          <p:nvPr/>
+        </p:nvCxnSpPr>
+        <p:spPr>
+          <a:xfrm>
+            <a:off x="1410789" y="1786345"/>
+            <a:ext cx="0" cy="1053108"/>
+          </a:xfrm>
+          <a:prstGeom prst="straightConnector1">
+            <a:avLst/>
+          </a:prstGeom>
+          <a:ln w="38100">
+            <a:tailEnd type="triangle"/>
+          </a:ln>
+        </p:spPr>
+        <p:style>
+          <a:lnRef idx="1">
+            <a:schemeClr val="accent2"/>
+          </a:lnRef>
+          <a:fillRef idx="0">
+            <a:schemeClr val="accent2"/>
+          </a:fillRef>
+          <a:effectRef idx="0">
+            <a:schemeClr val="accent2"/>
+          </a:effectRef>
+          <a:fontRef idx="minor">
+            <a:schemeClr val="tx1"/>
+          </a:fontRef>
+        </p:style>
+      </p:cxnSp>
+      <p:sp>
+        <p:nvSpPr>
+          <p:cNvPr id="5" name="Freihandform 16">
+            <a:extLst>
+              <a:ext uri="{FF2B5EF4-FFF2-40B4-BE49-F238E27FC236}">
+                <a16:creationId xmlns:a16="http://schemas.microsoft.com/office/drawing/2014/main" id="{6D5105C8-7C68-42D3-B421-90267D612A2F}"/>
+              </a:ext>
+            </a:extLst>
+          </p:cNvPr>
+          <p:cNvSpPr/>
+          <p:nvPr/>
+        </p:nvSpPr>
+        <p:spPr>
+          <a:xfrm>
+            <a:off x="4375567" y="1403592"/>
+            <a:ext cx="261991" cy="745911"/>
+          </a:xfrm>
+          <a:custGeom>
+            <a:avLst/>
+            <a:gdLst>
+              <a:gd name="connsiteX0" fmla="*/ 209496 w 261991"/>
+              <a:gd name="connsiteY0" fmla="*/ 0 h 745911"/>
+              <a:gd name="connsiteX1" fmla="*/ 490 w 261991"/>
+              <a:gd name="connsiteY1" fmla="*/ 274320 h 745911"/>
+              <a:gd name="connsiteX2" fmla="*/ 261747 w 261991"/>
+              <a:gd name="connsiteY2" fmla="*/ 483325 h 745911"/>
+              <a:gd name="connsiteX3" fmla="*/ 52741 w 261991"/>
+              <a:gd name="connsiteY3" fmla="*/ 744583 h 745911"/>
+            </a:gdLst>
+            <a:ahLst/>
+            <a:cxnLst>
+              <a:cxn ang="0">
+                <a:pos x="connsiteX0" y="connsiteY0"/>
+              </a:cxn>
+              <a:cxn ang="0">
+                <a:pos x="connsiteX1" y="connsiteY1"/>
+              </a:cxn>
+              <a:cxn ang="0">
+                <a:pos x="connsiteX2" y="connsiteY2"/>
+              </a:cxn>
+              <a:cxn ang="0">
+                <a:pos x="connsiteX3" y="connsiteY3"/>
+              </a:cxn>
+            </a:cxnLst>
+            <a:rect l="l" t="t" r="r" b="b"/>
+            <a:pathLst>
+              <a:path w="261991" h="745911">
+                <a:moveTo>
+                  <a:pt x="209496" y="0"/>
+                </a:moveTo>
+                <a:cubicBezTo>
+                  <a:pt x="100638" y="96883"/>
+                  <a:pt x="-8219" y="193766"/>
+                  <a:pt x="490" y="274320"/>
+                </a:cubicBezTo>
+                <a:cubicBezTo>
+                  <a:pt x="9198" y="354874"/>
+                  <a:pt x="253039" y="404948"/>
+                  <a:pt x="261747" y="483325"/>
+                </a:cubicBezTo>
+                <a:cubicBezTo>
+                  <a:pt x="270455" y="561702"/>
+                  <a:pt x="44032" y="764177"/>
+                  <a:pt x="52741" y="744583"/>
+                </a:cubicBezTo>
+              </a:path>
+            </a:pathLst>
+          </a:custGeom>
+        </p:spPr>
+        <p:style>
+          <a:lnRef idx="1">
+            <a:schemeClr val="dk1"/>
+          </a:lnRef>
+          <a:fillRef idx="0">
+            <a:schemeClr val="dk1"/>
+          </a:fillRef>
+          <a:effectRef idx="0">
+            <a:schemeClr val="dk1"/>
+          </a:effectRef>
+          <a:fontRef idx="minor">
+            <a:schemeClr val="tx1"/>
+          </a:fontRef>
+        </p:style>
+        <p:txBody>
+          <a:bodyPr rtlCol="0" anchor="ctr"/>
+          <a:lstStyle/>
+          <a:p>
+            <a:pPr algn="ctr"/>
+            <a:endParaRPr lang="de-DE"/>
+          </a:p>
+        </p:txBody>
+      </p:sp>
+      <p:cxnSp>
+        <p:nvCxnSpPr>
+          <p:cNvPr id="6" name="Gerade Verbindung mit Pfeil 5">
+            <a:extLst>
+              <a:ext uri="{FF2B5EF4-FFF2-40B4-BE49-F238E27FC236}">
+                <a16:creationId xmlns:a16="http://schemas.microsoft.com/office/drawing/2014/main" id="{B7DF9A7B-41EF-42ED-82C3-798103C33C9B}"/>
+              </a:ext>
+            </a:extLst>
+          </p:cNvPr>
+          <p:cNvCxnSpPr/>
+          <p:nvPr/>
+        </p:nvCxnSpPr>
+        <p:spPr>
+          <a:xfrm>
+            <a:off x="4898571" y="1403592"/>
+            <a:ext cx="13063" cy="790967"/>
+          </a:xfrm>
+          <a:prstGeom prst="straightConnector1">
+            <a:avLst/>
+          </a:prstGeom>
+          <a:ln w="76200">
+            <a:tailEnd type="triangle"/>
+          </a:ln>
+        </p:spPr>
+        <p:style>
+          <a:lnRef idx="1">
+            <a:schemeClr val="accent1"/>
+          </a:lnRef>
+          <a:fillRef idx="0">
+            <a:schemeClr val="accent1"/>
+          </a:fillRef>
+          <a:effectRef idx="0">
+            <a:schemeClr val="accent1"/>
+          </a:effectRef>
+          <a:fontRef idx="minor">
+            <a:schemeClr val="tx1"/>
+          </a:fontRef>
+        </p:style>
+      </p:cxnSp>
+      <p:sp>
+        <p:nvSpPr>
+          <p:cNvPr id="7" name="Nach rechts gekrümmter Pfeil 27">
+            <a:extLst>
+              <a:ext uri="{FF2B5EF4-FFF2-40B4-BE49-F238E27FC236}">
+                <a16:creationId xmlns:a16="http://schemas.microsoft.com/office/drawing/2014/main" id="{7B849CA6-D1B1-4C9D-8F67-2B8F8900833D}"/>
+              </a:ext>
+            </a:extLst>
+          </p:cNvPr>
+          <p:cNvSpPr/>
+          <p:nvPr/>
+        </p:nvSpPr>
+        <p:spPr>
+          <a:xfrm rot="10800000">
+            <a:off x="5212079" y="1168471"/>
+            <a:ext cx="731520" cy="1216152"/>
+          </a:xfrm>
+          <a:prstGeom prst="curvedRightArrow">
+            <a:avLst/>
+          </a:prstGeom>
+          <a:ln w="3175"/>
+        </p:spPr>
+        <p:style>
+          <a:lnRef idx="2">
+            <a:schemeClr val="accent1">
+              <a:shade val="50000"/>
+            </a:schemeClr>
+          </a:lnRef>
+          <a:fillRef idx="1">
+            <a:schemeClr val="accent1"/>
+          </a:fillRef>
+          <a:effectRef idx="0">
+            <a:schemeClr val="accent1"/>
+          </a:effectRef>
+          <a:fontRef idx="minor">
+            <a:schemeClr val="lt1"/>
+          </a:fontRef>
+        </p:style>
+        <p:txBody>
+          <a:bodyPr rtlCol="0" anchor="ctr"/>
+          <a:lstStyle/>
+          <a:p>
+            <a:pPr algn="ctr"/>
+            <a:endParaRPr lang="de-DE">
+              <a:solidFill>
+                <a:schemeClr val="tx1"/>
+              </a:solidFill>
+            </a:endParaRPr>
+          </a:p>
+        </p:txBody>
+      </p:sp>
+      <mc:AlternateContent xmlns:mc="http://schemas.openxmlformats.org/markup-compatibility/2006">
+        <mc:Choice xmlns:a14="http://schemas.microsoft.com/office/drawing/2010/main" Requires="a14">
+          <p:sp>
+            <p:nvSpPr>
+              <p:cNvPr id="8" name="Textfeld 7">
+                <a:extLst>
+                  <a:ext uri="{FF2B5EF4-FFF2-40B4-BE49-F238E27FC236}">
+                    <a16:creationId xmlns:a16="http://schemas.microsoft.com/office/drawing/2014/main" id="{582E485F-563E-44BE-9B73-A987EADB06F8}"/>
+                  </a:ext>
+                </a:extLst>
+              </p:cNvPr>
+              <p:cNvSpPr txBox="1"/>
+              <p:nvPr/>
+            </p:nvSpPr>
+            <p:spPr>
+              <a:xfrm>
+                <a:off x="744583" y="2194559"/>
+                <a:ext cx="561703" cy="369332"/>
+              </a:xfrm>
+              <a:prstGeom prst="rect">
+                <a:avLst/>
+              </a:prstGeom>
+              <a:noFill/>
+            </p:spPr>
+            <p:txBody>
+              <a:bodyPr wrap="square" rtlCol="0">
+                <a:spAutoFit/>
+              </a:bodyPr>
+              <a:lstStyle/>
+              <a:p>
+                <a:pPr/>
+                <a14:m>
+                  <m:oMathPara xmlns:m="http://schemas.openxmlformats.org/officeDocument/2006/math">
+                    <m:oMathParaPr>
+                      <m:jc m:val="centerGroup"/>
+                    </m:oMathParaPr>
+                    <m:oMath xmlns:m="http://schemas.openxmlformats.org/officeDocument/2006/math">
+                      <m:sSub>
+                        <m:sSubPr>
+                          <m:ctrlPr>
+                            <a:rPr lang="de-DE" i="1" smtClean="0">
+                              <a:latin typeface="Cambria Math" panose="02040503050406030204" pitchFamily="18" charset="0"/>
+                            </a:rPr>
+                          </m:ctrlPr>
+                        </m:sSubPr>
+                        <m:e>
+                          <m:r>
+                            <a:rPr lang="de-DE" b="0" i="1" smtClean="0">
+                              <a:latin typeface="Cambria Math" panose="02040503050406030204" pitchFamily="18" charset="0"/>
+                            </a:rPr>
+                            <m:t>𝐹</m:t>
+                          </m:r>
+                        </m:e>
+                        <m:sub>
+                          <m:r>
+                            <a:rPr lang="de-DE" b="0" i="1" smtClean="0">
+                              <a:latin typeface="Cambria Math" panose="02040503050406030204" pitchFamily="18" charset="0"/>
+                            </a:rPr>
+                            <m:t>𝐴</m:t>
+                          </m:r>
+                          <m:r>
+                            <a:rPr lang="de-DE" b="0" i="1" smtClean="0">
+                              <a:latin typeface="Cambria Math" panose="02040503050406030204" pitchFamily="18" charset="0"/>
+                            </a:rPr>
+                            <m:t>𝑧</m:t>
+                          </m:r>
+                        </m:sub>
+                      </m:sSub>
+                    </m:oMath>
+                  </m:oMathPara>
+                </a14:m>
+                <a:endParaRPr lang="de-DE" dirty="0"/>
+              </a:p>
+            </p:txBody>
+          </p:sp>
+        </mc:Choice>
+        <mc:Fallback>
+          <p:sp>
+            <p:nvSpPr>
+              <p:cNvPr id="8" name="Textfeld 7">
+                <a:extLst>
+                  <a:ext uri="{FF2B5EF4-FFF2-40B4-BE49-F238E27FC236}">
+                    <a16:creationId xmlns:a16="http://schemas.microsoft.com/office/drawing/2014/main" id="{582E485F-563E-44BE-9B73-A987EADB06F8}"/>
+                  </a:ext>
+                </a:extLst>
+              </p:cNvPr>
+              <p:cNvSpPr txBox="1">
+                <a:spLocks noRot="1" noChangeAspect="1" noMove="1" noResize="1" noEditPoints="1" noAdjustHandles="1" noChangeArrowheads="1" noChangeShapeType="1" noTextEdit="1"/>
+              </p:cNvSpPr>
+              <p:nvPr/>
+            </p:nvSpPr>
+            <p:spPr>
+              <a:xfrm>
+                <a:off x="744583" y="2194559"/>
+                <a:ext cx="561703" cy="369332"/>
+              </a:xfrm>
+              <a:prstGeom prst="rect">
+                <a:avLst/>
+              </a:prstGeom>
+              <a:blipFill>
+                <a:blip r:embed="rId2"/>
+                <a:stretch>
+                  <a:fillRect/>
+                </a:stretch>
+              </a:blipFill>
+            </p:spPr>
+            <p:txBody>
+              <a:bodyPr/>
+              <a:lstStyle/>
+              <a:p>
+                <a:r>
+                  <a:rPr lang="de-DE">
+                    <a:noFill/>
+                  </a:rPr>
+                  <a:t> </a:t>
+                </a:r>
+              </a:p>
+            </p:txBody>
+          </p:sp>
+        </mc:Fallback>
+      </mc:AlternateContent>
+      <mc:AlternateContent xmlns:mc="http://schemas.openxmlformats.org/markup-compatibility/2006">
+        <mc:Choice xmlns:a14="http://schemas.microsoft.com/office/drawing/2010/main" Requires="a14">
+          <p:sp>
+            <p:nvSpPr>
+              <p:cNvPr id="9" name="Textfeld 8">
+                <a:extLst>
+                  <a:ext uri="{FF2B5EF4-FFF2-40B4-BE49-F238E27FC236}">
+                    <a16:creationId xmlns:a16="http://schemas.microsoft.com/office/drawing/2014/main" id="{A428AF70-B5AC-44BB-9B25-A0ACEAF4449A}"/>
+                  </a:ext>
+                </a:extLst>
+              </p:cNvPr>
+              <p:cNvSpPr txBox="1"/>
+              <p:nvPr/>
+            </p:nvSpPr>
+            <p:spPr>
+              <a:xfrm>
+                <a:off x="5042263" y="1645920"/>
+                <a:ext cx="365760" cy="388889"/>
+              </a:xfrm>
+              <a:prstGeom prst="rect">
+                <a:avLst/>
+              </a:prstGeom>
+              <a:noFill/>
+            </p:spPr>
+            <p:txBody>
+              <a:bodyPr wrap="square" rtlCol="0">
+                <a:spAutoFit/>
+              </a:bodyPr>
+              <a:lstStyle/>
+              <a:p>
+                <a:pPr/>
+                <a14:m>
+                  <m:oMathPara xmlns:m="http://schemas.openxmlformats.org/officeDocument/2006/math">
+                    <m:oMathParaPr>
+                      <m:jc m:val="centerGroup"/>
+                    </m:oMathParaPr>
+                    <m:oMath xmlns:m="http://schemas.openxmlformats.org/officeDocument/2006/math">
+                      <m:sSub>
+                        <m:sSubPr>
+                          <m:ctrlPr>
+                            <a:rPr lang="de-DE" i="1" smtClean="0">
+                              <a:latin typeface="Cambria Math" panose="02040503050406030204" pitchFamily="18" charset="0"/>
+                            </a:rPr>
+                          </m:ctrlPr>
+                        </m:sSubPr>
+                        <m:e>
+                          <m:r>
+                            <a:rPr lang="de-DE" b="0" i="1" smtClean="0">
+                              <a:latin typeface="Cambria Math" panose="02040503050406030204" pitchFamily="18" charset="0"/>
+                            </a:rPr>
+                            <m:t>𝐹</m:t>
+                          </m:r>
+                        </m:e>
+                        <m:sub>
+                          <m:r>
+                            <a:rPr lang="de-DE" b="0" i="1" smtClean="0">
+                              <a:latin typeface="Cambria Math" panose="02040503050406030204" pitchFamily="18" charset="0"/>
+                            </a:rPr>
+                            <m:t>𝑄</m:t>
+                          </m:r>
+                        </m:sub>
+                      </m:sSub>
+                    </m:oMath>
+                  </m:oMathPara>
+                </a14:m>
+                <a:endParaRPr lang="de-DE" dirty="0"/>
+              </a:p>
+            </p:txBody>
+          </p:sp>
+        </mc:Choice>
+        <mc:Fallback>
+          <p:sp>
+            <p:nvSpPr>
+              <p:cNvPr id="9" name="Textfeld 8">
+                <a:extLst>
+                  <a:ext uri="{FF2B5EF4-FFF2-40B4-BE49-F238E27FC236}">
+                    <a16:creationId xmlns:a16="http://schemas.microsoft.com/office/drawing/2014/main" id="{A428AF70-B5AC-44BB-9B25-A0ACEAF4449A}"/>
+                  </a:ext>
+                </a:extLst>
+              </p:cNvPr>
+              <p:cNvSpPr txBox="1">
+                <a:spLocks noRot="1" noChangeAspect="1" noMove="1" noResize="1" noEditPoints="1" noAdjustHandles="1" noChangeArrowheads="1" noChangeShapeType="1" noTextEdit="1"/>
+              </p:cNvSpPr>
+              <p:nvPr/>
+            </p:nvSpPr>
+            <p:spPr>
+              <a:xfrm>
+                <a:off x="5042263" y="1645920"/>
+                <a:ext cx="365760" cy="388889"/>
+              </a:xfrm>
+              <a:prstGeom prst="rect">
+                <a:avLst/>
+              </a:prstGeom>
+              <a:blipFill>
+                <a:blip r:embed="rId3"/>
+                <a:stretch>
+                  <a:fillRect r="-10000" b="-6250"/>
+                </a:stretch>
+              </a:blipFill>
+            </p:spPr>
+            <p:txBody>
+              <a:bodyPr/>
+              <a:lstStyle/>
+              <a:p>
+                <a:r>
+                  <a:rPr lang="de-DE">
+                    <a:noFill/>
+                  </a:rPr>
+                  <a:t> </a:t>
+                </a:r>
+              </a:p>
+            </p:txBody>
+          </p:sp>
+        </mc:Fallback>
+      </mc:AlternateContent>
+      <mc:AlternateContent xmlns:mc="http://schemas.openxmlformats.org/markup-compatibility/2006">
+        <mc:Choice xmlns:a14="http://schemas.microsoft.com/office/drawing/2010/main" Requires="a14">
+          <p:sp>
+            <p:nvSpPr>
+              <p:cNvPr id="10" name="Textfeld 9">
+                <a:extLst>
+                  <a:ext uri="{FF2B5EF4-FFF2-40B4-BE49-F238E27FC236}">
+                    <a16:creationId xmlns:a16="http://schemas.microsoft.com/office/drawing/2014/main" id="{9E54F9E7-2B54-4D61-B774-D800BAFC9525}"/>
+                  </a:ext>
+                </a:extLst>
+              </p:cNvPr>
+              <p:cNvSpPr txBox="1"/>
+              <p:nvPr/>
+            </p:nvSpPr>
+            <p:spPr>
+              <a:xfrm>
+                <a:off x="5812971" y="888274"/>
+                <a:ext cx="640080" cy="369332"/>
+              </a:xfrm>
+              <a:prstGeom prst="rect">
+                <a:avLst/>
+              </a:prstGeom>
+              <a:noFill/>
+            </p:spPr>
+            <p:txBody>
+              <a:bodyPr wrap="square" rtlCol="0">
+                <a:spAutoFit/>
+              </a:bodyPr>
+              <a:lstStyle/>
+              <a:p>
+                <a:pPr/>
+                <a14:m>
+                  <m:oMathPara xmlns:m="http://schemas.openxmlformats.org/officeDocument/2006/math">
+                    <m:oMathParaPr>
+                      <m:jc m:val="centerGroup"/>
+                    </m:oMathParaPr>
+                    <m:oMath xmlns:m="http://schemas.openxmlformats.org/officeDocument/2006/math">
+                      <m:sSub>
+                        <m:sSubPr>
+                          <m:ctrlPr>
+                            <a:rPr lang="de-DE" i="1" smtClean="0">
+                              <a:latin typeface="Cambria Math" panose="02040503050406030204" pitchFamily="18" charset="0"/>
+                            </a:rPr>
+                          </m:ctrlPr>
+                        </m:sSubPr>
+                        <m:e>
+                          <m:r>
+                            <a:rPr lang="de-DE" b="0" i="1" smtClean="0">
+                              <a:latin typeface="Cambria Math" panose="02040503050406030204" pitchFamily="18" charset="0"/>
+                            </a:rPr>
+                            <m:t>𝑀</m:t>
+                          </m:r>
+                        </m:e>
+                        <m:sub>
+                          <m:r>
+                            <a:rPr lang="de-DE" b="0" i="1" smtClean="0">
+                              <a:latin typeface="Cambria Math" panose="02040503050406030204" pitchFamily="18" charset="0"/>
+                            </a:rPr>
+                            <m:t>𝑏</m:t>
+                          </m:r>
+                        </m:sub>
+                      </m:sSub>
+                    </m:oMath>
+                  </m:oMathPara>
+                </a14:m>
+                <a:endParaRPr lang="de-DE" dirty="0"/>
+              </a:p>
+            </p:txBody>
+          </p:sp>
+        </mc:Choice>
+        <mc:Fallback>
+          <p:sp>
+            <p:nvSpPr>
+              <p:cNvPr id="10" name="Textfeld 9">
+                <a:extLst>
+                  <a:ext uri="{FF2B5EF4-FFF2-40B4-BE49-F238E27FC236}">
+                    <a16:creationId xmlns:a16="http://schemas.microsoft.com/office/drawing/2014/main" id="{9E54F9E7-2B54-4D61-B774-D800BAFC9525}"/>
+                  </a:ext>
+                </a:extLst>
+              </p:cNvPr>
+              <p:cNvSpPr txBox="1">
+                <a:spLocks noRot="1" noChangeAspect="1" noMove="1" noResize="1" noEditPoints="1" noAdjustHandles="1" noChangeArrowheads="1" noChangeShapeType="1" noTextEdit="1"/>
+              </p:cNvSpPr>
+              <p:nvPr/>
+            </p:nvSpPr>
+            <p:spPr>
+              <a:xfrm>
+                <a:off x="5812971" y="888274"/>
+                <a:ext cx="640080" cy="369332"/>
+              </a:xfrm>
+              <a:prstGeom prst="rect">
+                <a:avLst/>
+              </a:prstGeom>
+              <a:blipFill>
+                <a:blip r:embed="rId4"/>
+                <a:stretch>
+                  <a:fillRect/>
+                </a:stretch>
+              </a:blipFill>
+            </p:spPr>
+            <p:txBody>
+              <a:bodyPr/>
+              <a:lstStyle/>
+              <a:p>
+                <a:r>
+                  <a:rPr lang="de-DE">
+                    <a:noFill/>
+                  </a:rPr>
+                  <a:t> </a:t>
+                </a:r>
+              </a:p>
+            </p:txBody>
+          </p:sp>
+        </mc:Fallback>
+      </mc:AlternateContent>
+    </p:spTree>
+    <p:extLst>
+      <p:ext uri="{BB962C8B-B14F-4D97-AF65-F5344CB8AC3E}">
+        <p14:creationId xmlns:p14="http://schemas.microsoft.com/office/powerpoint/2010/main" val="3713999655"/>
+      </p:ext>
+    </p:extLst>
+  </p:cSld>
+  <p:clrMapOvr>
+    <a:masterClrMapping/>
+  </p:clrMapOvr>
+</p:sld>
+</file>
+
+<file path=ppt/slides/slide6.xml><?xml version="1.0" encoding="utf-8"?>
+<p:sld xmlns:a="http://schemas.openxmlformats.org/drawingml/2006/main" xmlns:r="http://schemas.openxmlformats.org/officeDocument/2006/relationships" xmlns:p="http://schemas.openxmlformats.org/presentationml/2006/main">
+  <p:cSld>
+    <p:spTree>
+      <p:nvGrpSpPr>
+        <p:cNvPr id="1" name=""/>
+        <p:cNvGrpSpPr/>
+        <p:nvPr/>
+      </p:nvGrpSpPr>
+      <p:grpSpPr>
+        <a:xfrm>
+          <a:off x="0" y="0"/>
+          <a:ext cx="0" cy="0"/>
+          <a:chOff x="0" y="0"/>
+          <a:chExt cx="0" cy="0"/>
+        </a:xfrm>
+      </p:grpSpPr>
+      <p:cxnSp>
+        <p:nvCxnSpPr>
+          <p:cNvPr id="2" name="Gerader Verbinder 1">
+            <a:extLst>
+              <a:ext uri="{FF2B5EF4-FFF2-40B4-BE49-F238E27FC236}">
+                <a16:creationId xmlns:a16="http://schemas.microsoft.com/office/drawing/2014/main" id="{F0833C4A-B2C9-459B-9E50-B4E536F63D7F}"/>
+              </a:ext>
+            </a:extLst>
+          </p:cNvPr>
+          <p:cNvCxnSpPr/>
+          <p:nvPr/>
+        </p:nvCxnSpPr>
+        <p:spPr>
+          <a:xfrm flipV="1">
+            <a:off x="1471978" y="2119916"/>
+            <a:ext cx="3630498" cy="2"/>
+          </a:xfrm>
+          <a:prstGeom prst="line">
+            <a:avLst/>
+          </a:prstGeom>
+        </p:spPr>
+        <p:style>
+          <a:lnRef idx="1">
+            <a:schemeClr val="dk1"/>
+          </a:lnRef>
+          <a:fillRef idx="0">
+            <a:schemeClr val="dk1"/>
+          </a:fillRef>
+          <a:effectRef idx="0">
+            <a:schemeClr val="dk1"/>
+          </a:effectRef>
+          <a:fontRef idx="minor">
+            <a:schemeClr val="tx1"/>
+          </a:fontRef>
+        </p:style>
+      </p:cxnSp>
+      <p:cxnSp>
+        <p:nvCxnSpPr>
+          <p:cNvPr id="3" name="Gerade Verbindung mit Pfeil 2">
+            <a:extLst>
+              <a:ext uri="{FF2B5EF4-FFF2-40B4-BE49-F238E27FC236}">
+                <a16:creationId xmlns:a16="http://schemas.microsoft.com/office/drawing/2014/main" id="{E86FE249-1CAF-49EE-80A4-74977F07258F}"/>
+              </a:ext>
+            </a:extLst>
+          </p:cNvPr>
+          <p:cNvCxnSpPr>
+            <a:cxnSpLocks/>
+          </p:cNvCxnSpPr>
+          <p:nvPr/>
+        </p:nvCxnSpPr>
+        <p:spPr>
+          <a:xfrm>
+            <a:off x="1484124" y="2119916"/>
+            <a:ext cx="0" cy="1125239"/>
+          </a:xfrm>
+          <a:prstGeom prst="straightConnector1">
+            <a:avLst/>
+          </a:prstGeom>
+          <a:ln w="38100">
+            <a:tailEnd type="triangle"/>
+          </a:ln>
+        </p:spPr>
+        <p:style>
+          <a:lnRef idx="1">
+            <a:schemeClr val="accent2"/>
+          </a:lnRef>
+          <a:fillRef idx="0">
+            <a:schemeClr val="accent2"/>
+          </a:fillRef>
+          <a:effectRef idx="0">
+            <a:schemeClr val="accent2"/>
+          </a:effectRef>
+          <a:fontRef idx="minor">
+            <a:schemeClr val="tx1"/>
+          </a:fontRef>
+        </p:style>
+      </p:cxnSp>
+      <p:sp>
+        <p:nvSpPr>
+          <p:cNvPr id="4" name="Freihandform 3">
+            <a:extLst>
+              <a:ext uri="{FF2B5EF4-FFF2-40B4-BE49-F238E27FC236}">
+                <a16:creationId xmlns:a16="http://schemas.microsoft.com/office/drawing/2014/main" id="{20CF18BF-D29A-4F0B-AAF3-BEB419BDF621}"/>
+              </a:ext>
+            </a:extLst>
+          </p:cNvPr>
+          <p:cNvSpPr/>
+          <p:nvPr/>
+        </p:nvSpPr>
+        <p:spPr>
+          <a:xfrm>
+            <a:off x="5285598" y="1746961"/>
+            <a:ext cx="261991" cy="745911"/>
+          </a:xfrm>
+          <a:custGeom>
+            <a:avLst/>
+            <a:gdLst>
+              <a:gd name="connsiteX0" fmla="*/ 209496 w 261991"/>
+              <a:gd name="connsiteY0" fmla="*/ 0 h 745911"/>
+              <a:gd name="connsiteX1" fmla="*/ 490 w 261991"/>
+              <a:gd name="connsiteY1" fmla="*/ 274320 h 745911"/>
+              <a:gd name="connsiteX2" fmla="*/ 261747 w 261991"/>
+              <a:gd name="connsiteY2" fmla="*/ 483325 h 745911"/>
+              <a:gd name="connsiteX3" fmla="*/ 52741 w 261991"/>
+              <a:gd name="connsiteY3" fmla="*/ 744583 h 745911"/>
+            </a:gdLst>
+            <a:ahLst/>
+            <a:cxnLst>
+              <a:cxn ang="0">
+                <a:pos x="connsiteX0" y="connsiteY0"/>
+              </a:cxn>
+              <a:cxn ang="0">
+                <a:pos x="connsiteX1" y="connsiteY1"/>
+              </a:cxn>
+              <a:cxn ang="0">
+                <a:pos x="connsiteX2" y="connsiteY2"/>
+              </a:cxn>
+              <a:cxn ang="0">
+                <a:pos x="connsiteX3" y="connsiteY3"/>
+              </a:cxn>
+            </a:cxnLst>
+            <a:rect l="l" t="t" r="r" b="b"/>
+            <a:pathLst>
+              <a:path w="261991" h="745911">
+                <a:moveTo>
+                  <a:pt x="209496" y="0"/>
+                </a:moveTo>
+                <a:cubicBezTo>
+                  <a:pt x="100638" y="96883"/>
+                  <a:pt x="-8219" y="193766"/>
+                  <a:pt x="490" y="274320"/>
+                </a:cubicBezTo>
+                <a:cubicBezTo>
+                  <a:pt x="9198" y="354874"/>
+                  <a:pt x="253039" y="404948"/>
+                  <a:pt x="261747" y="483325"/>
+                </a:cubicBezTo>
+                <a:cubicBezTo>
+                  <a:pt x="270455" y="561702"/>
+                  <a:pt x="44032" y="764177"/>
+                  <a:pt x="52741" y="744583"/>
+                </a:cubicBezTo>
+              </a:path>
+            </a:pathLst>
+          </a:custGeom>
+        </p:spPr>
+        <p:style>
+          <a:lnRef idx="1">
+            <a:schemeClr val="dk1"/>
+          </a:lnRef>
+          <a:fillRef idx="0">
+            <a:schemeClr val="dk1"/>
+          </a:fillRef>
+          <a:effectRef idx="0">
+            <a:schemeClr val="dk1"/>
+          </a:effectRef>
+          <a:fontRef idx="minor">
+            <a:schemeClr val="tx1"/>
+          </a:fontRef>
+        </p:style>
+        <p:txBody>
+          <a:bodyPr rtlCol="0" anchor="ctr"/>
+          <a:lstStyle/>
+          <a:p>
+            <a:pPr algn="ctr"/>
+            <a:endParaRPr lang="de-DE"/>
+          </a:p>
+        </p:txBody>
+      </p:sp>
+      <p:cxnSp>
+        <p:nvCxnSpPr>
+          <p:cNvPr id="5" name="Gerade Verbindung mit Pfeil 4">
+            <a:extLst>
+              <a:ext uri="{FF2B5EF4-FFF2-40B4-BE49-F238E27FC236}">
+                <a16:creationId xmlns:a16="http://schemas.microsoft.com/office/drawing/2014/main" id="{61EE77CC-561F-4E46-A5EB-FACDA37B1D72}"/>
+              </a:ext>
+            </a:extLst>
+          </p:cNvPr>
+          <p:cNvCxnSpPr/>
+          <p:nvPr/>
+        </p:nvCxnSpPr>
+        <p:spPr>
+          <a:xfrm>
+            <a:off x="5860854" y="1709872"/>
+            <a:ext cx="13063" cy="790967"/>
+          </a:xfrm>
+          <a:prstGeom prst="straightConnector1">
+            <a:avLst/>
+          </a:prstGeom>
+          <a:ln w="76200">
+            <a:tailEnd type="triangle"/>
+          </a:ln>
+        </p:spPr>
+        <p:style>
+          <a:lnRef idx="1">
+            <a:schemeClr val="accent1"/>
+          </a:lnRef>
+          <a:fillRef idx="0">
+            <a:schemeClr val="accent1"/>
+          </a:fillRef>
+          <a:effectRef idx="0">
+            <a:schemeClr val="accent1"/>
+          </a:effectRef>
+          <a:fontRef idx="minor">
+            <a:schemeClr val="tx1"/>
+          </a:fontRef>
+        </p:style>
+      </p:cxnSp>
+      <p:sp>
+        <p:nvSpPr>
+          <p:cNvPr id="6" name="Nach rechts gekrümmter Pfeil 5">
+            <a:extLst>
+              <a:ext uri="{FF2B5EF4-FFF2-40B4-BE49-F238E27FC236}">
+                <a16:creationId xmlns:a16="http://schemas.microsoft.com/office/drawing/2014/main" id="{B6C435BC-0415-4766-9640-77E621A4B6CD}"/>
+              </a:ext>
+            </a:extLst>
+          </p:cNvPr>
+          <p:cNvSpPr/>
+          <p:nvPr/>
+        </p:nvSpPr>
+        <p:spPr>
+          <a:xfrm rot="10800000">
+            <a:off x="6239919" y="1511841"/>
+            <a:ext cx="731520" cy="1216152"/>
+          </a:xfrm>
+          <a:prstGeom prst="curvedRightArrow">
+            <a:avLst/>
+          </a:prstGeom>
+          <a:ln w="3175"/>
+        </p:spPr>
+        <p:style>
+          <a:lnRef idx="2">
+            <a:schemeClr val="accent1">
+              <a:shade val="50000"/>
+            </a:schemeClr>
+          </a:lnRef>
+          <a:fillRef idx="1">
+            <a:schemeClr val="accent1"/>
+          </a:fillRef>
+          <a:effectRef idx="0">
+            <a:schemeClr val="accent1"/>
+          </a:effectRef>
+          <a:fontRef idx="minor">
+            <a:schemeClr val="lt1"/>
+          </a:fontRef>
+        </p:style>
+        <p:txBody>
+          <a:bodyPr rtlCol="0" anchor="ctr"/>
+          <a:lstStyle/>
+          <a:p>
+            <a:pPr algn="ctr"/>
+            <a:endParaRPr lang="de-DE">
+              <a:solidFill>
+                <a:schemeClr val="tx1"/>
+              </a:solidFill>
+            </a:endParaRPr>
+          </a:p>
+        </p:txBody>
+      </p:sp>
+      <mc:AlternateContent xmlns:mc="http://schemas.openxmlformats.org/markup-compatibility/2006">
+        <mc:Choice xmlns:a14="http://schemas.microsoft.com/office/drawing/2010/main" Requires="a14">
+          <p:sp>
+            <p:nvSpPr>
+              <p:cNvPr id="7" name="Textfeld 6">
+                <a:extLst>
+                  <a:ext uri="{FF2B5EF4-FFF2-40B4-BE49-F238E27FC236}">
+                    <a16:creationId xmlns:a16="http://schemas.microsoft.com/office/drawing/2014/main" id="{F4D52254-7A07-46A6-A90B-1F5B0E685521}"/>
+                  </a:ext>
+                </a:extLst>
+              </p:cNvPr>
+              <p:cNvSpPr txBox="1"/>
+              <p:nvPr/>
+            </p:nvSpPr>
+            <p:spPr>
+              <a:xfrm>
+                <a:off x="6057039" y="1910910"/>
+                <a:ext cx="365760" cy="388889"/>
+              </a:xfrm>
+              <a:prstGeom prst="rect">
+                <a:avLst/>
+              </a:prstGeom>
+              <a:noFill/>
+            </p:spPr>
+            <p:txBody>
+              <a:bodyPr wrap="square" rtlCol="0">
+                <a:spAutoFit/>
+              </a:bodyPr>
+              <a:lstStyle/>
+              <a:p>
+                <a:pPr/>
+                <a14:m>
+                  <m:oMathPara xmlns:m="http://schemas.openxmlformats.org/officeDocument/2006/math">
+                    <m:oMathParaPr>
+                      <m:jc m:val="centerGroup"/>
+                    </m:oMathParaPr>
+                    <m:oMath xmlns:m="http://schemas.openxmlformats.org/officeDocument/2006/math">
+                      <m:sSub>
+                        <m:sSubPr>
+                          <m:ctrlPr>
+                            <a:rPr lang="de-DE" i="1" smtClean="0">
+                              <a:latin typeface="Cambria Math" panose="02040503050406030204" pitchFamily="18" charset="0"/>
+                            </a:rPr>
+                          </m:ctrlPr>
+                        </m:sSubPr>
+                        <m:e>
+                          <m:r>
+                            <a:rPr lang="de-DE" b="0" i="1" smtClean="0">
+                              <a:latin typeface="Cambria Math" panose="02040503050406030204" pitchFamily="18" charset="0"/>
+                            </a:rPr>
+                            <m:t>𝐹</m:t>
+                          </m:r>
+                        </m:e>
+                        <m:sub>
+                          <m:r>
+                            <a:rPr lang="de-DE" b="0" i="1" smtClean="0">
+                              <a:latin typeface="Cambria Math" panose="02040503050406030204" pitchFamily="18" charset="0"/>
+                            </a:rPr>
+                            <m:t>𝑄</m:t>
+                          </m:r>
+                        </m:sub>
+                      </m:sSub>
+                    </m:oMath>
+                  </m:oMathPara>
+                </a14:m>
+                <a:endParaRPr lang="de-DE" dirty="0"/>
+              </a:p>
+            </p:txBody>
+          </p:sp>
+        </mc:Choice>
+        <mc:Fallback>
+          <p:sp>
+            <p:nvSpPr>
+              <p:cNvPr id="7" name="Textfeld 6">
+                <a:extLst>
+                  <a:ext uri="{FF2B5EF4-FFF2-40B4-BE49-F238E27FC236}">
+                    <a16:creationId xmlns:a16="http://schemas.microsoft.com/office/drawing/2014/main" id="{F4D52254-7A07-46A6-A90B-1F5B0E685521}"/>
+                  </a:ext>
+                </a:extLst>
+              </p:cNvPr>
+              <p:cNvSpPr txBox="1">
+                <a:spLocks noRot="1" noChangeAspect="1" noMove="1" noResize="1" noEditPoints="1" noAdjustHandles="1" noChangeArrowheads="1" noChangeShapeType="1" noTextEdit="1"/>
+              </p:cNvSpPr>
+              <p:nvPr/>
+            </p:nvSpPr>
+            <p:spPr>
+              <a:xfrm>
+                <a:off x="6057039" y="1910910"/>
+                <a:ext cx="365760" cy="388889"/>
+              </a:xfrm>
+              <a:prstGeom prst="rect">
+                <a:avLst/>
+              </a:prstGeom>
+              <a:blipFill>
+                <a:blip r:embed="rId2"/>
+                <a:stretch>
+                  <a:fillRect r="-10000" b="-7813"/>
+                </a:stretch>
+              </a:blipFill>
+            </p:spPr>
+            <p:txBody>
+              <a:bodyPr/>
+              <a:lstStyle/>
+              <a:p>
+                <a:r>
+                  <a:rPr lang="de-DE">
+                    <a:noFill/>
+                  </a:rPr>
+                  <a:t> </a:t>
+                </a:r>
+              </a:p>
+            </p:txBody>
+          </p:sp>
+        </mc:Fallback>
+      </mc:AlternateContent>
+      <p:cxnSp>
+        <p:nvCxnSpPr>
+          <p:cNvPr id="8" name="Gerade Verbindung mit Pfeil 7">
+            <a:extLst>
+              <a:ext uri="{FF2B5EF4-FFF2-40B4-BE49-F238E27FC236}">
+                <a16:creationId xmlns:a16="http://schemas.microsoft.com/office/drawing/2014/main" id="{6D044BF6-41FE-469D-87D3-C358F67639A6}"/>
+              </a:ext>
+            </a:extLst>
+          </p:cNvPr>
+          <p:cNvCxnSpPr>
+            <a:cxnSpLocks/>
+          </p:cNvCxnSpPr>
+          <p:nvPr/>
+        </p:nvCxnSpPr>
+        <p:spPr>
+          <a:xfrm>
+            <a:off x="3335353" y="2119916"/>
+            <a:ext cx="0" cy="1125239"/>
+          </a:xfrm>
+          <a:prstGeom prst="straightConnector1">
+            <a:avLst/>
+          </a:prstGeom>
+          <a:ln w="38100">
+            <a:tailEnd type="triangle"/>
+          </a:ln>
+        </p:spPr>
+        <p:style>
+          <a:lnRef idx="1">
+            <a:schemeClr val="accent2"/>
+          </a:lnRef>
+          <a:fillRef idx="0">
+            <a:schemeClr val="accent2"/>
+          </a:fillRef>
+          <a:effectRef idx="0">
+            <a:schemeClr val="accent2"/>
+          </a:effectRef>
+          <a:fontRef idx="minor">
+            <a:schemeClr val="tx1"/>
+          </a:fontRef>
+        </p:style>
+      </p:cxnSp>
+      <mc:AlternateContent xmlns:mc="http://schemas.openxmlformats.org/markup-compatibility/2006">
+        <mc:Choice xmlns:a14="http://schemas.microsoft.com/office/drawing/2010/main" Requires="a14">
+          <p:sp>
+            <p:nvSpPr>
+              <p:cNvPr id="9" name="Textfeld 8">
+                <a:extLst>
+                  <a:ext uri="{FF2B5EF4-FFF2-40B4-BE49-F238E27FC236}">
+                    <a16:creationId xmlns:a16="http://schemas.microsoft.com/office/drawing/2014/main" id="{A13EBCED-59B2-419C-A3BC-770379BBD12B}"/>
+                  </a:ext>
+                </a:extLst>
+              </p:cNvPr>
+              <p:cNvSpPr txBox="1"/>
+              <p:nvPr/>
+            </p:nvSpPr>
+            <p:spPr>
+              <a:xfrm>
+                <a:off x="792709" y="2515401"/>
+                <a:ext cx="561703" cy="391261"/>
+              </a:xfrm>
+              <a:prstGeom prst="rect">
+                <a:avLst/>
+              </a:prstGeom>
+              <a:noFill/>
+            </p:spPr>
+            <p:txBody>
+              <a:bodyPr wrap="square" rtlCol="0">
+                <a:spAutoFit/>
+              </a:bodyPr>
+              <a:lstStyle/>
+              <a:p>
+                <a:pPr/>
+                <a14:m>
+                  <m:oMathPara xmlns:m="http://schemas.openxmlformats.org/officeDocument/2006/math">
+                    <m:oMathParaPr>
+                      <m:jc m:val="centerGroup"/>
+                    </m:oMathParaPr>
+                    <m:oMath xmlns:m="http://schemas.openxmlformats.org/officeDocument/2006/math">
+                      <m:sSub>
+                        <m:sSubPr>
+                          <m:ctrlPr>
+                            <a:rPr lang="de-DE" i="1" smtClean="0">
+                              <a:latin typeface="Cambria Math" panose="02040503050406030204" pitchFamily="18" charset="0"/>
+                            </a:rPr>
+                          </m:ctrlPr>
+                        </m:sSubPr>
+                        <m:e>
+                          <m:r>
+                            <a:rPr lang="de-DE" b="0" i="1" smtClean="0">
+                              <a:latin typeface="Cambria Math" panose="02040503050406030204" pitchFamily="18" charset="0"/>
+                            </a:rPr>
+                            <m:t>𝐹</m:t>
+                          </m:r>
+                        </m:e>
+                        <m:sub>
+                          <m:r>
+                            <a:rPr lang="de-DE" b="0" i="1" smtClean="0">
+                              <a:latin typeface="Cambria Math" panose="02040503050406030204" pitchFamily="18" charset="0"/>
+                            </a:rPr>
+                            <m:t>𝐴𝑦</m:t>
+                          </m:r>
+                        </m:sub>
+                      </m:sSub>
+                    </m:oMath>
+                  </m:oMathPara>
+                </a14:m>
+                <a:endParaRPr lang="de-DE" dirty="0"/>
+              </a:p>
+            </p:txBody>
+          </p:sp>
+        </mc:Choice>
+        <mc:Fallback>
+          <p:sp>
+            <p:nvSpPr>
+              <p:cNvPr id="9" name="Textfeld 8">
+                <a:extLst>
+                  <a:ext uri="{FF2B5EF4-FFF2-40B4-BE49-F238E27FC236}">
+                    <a16:creationId xmlns:a16="http://schemas.microsoft.com/office/drawing/2014/main" id="{A13EBCED-59B2-419C-A3BC-770379BBD12B}"/>
+                  </a:ext>
+                </a:extLst>
+              </p:cNvPr>
+              <p:cNvSpPr txBox="1">
+                <a:spLocks noRot="1" noChangeAspect="1" noMove="1" noResize="1" noEditPoints="1" noAdjustHandles="1" noChangeArrowheads="1" noChangeShapeType="1" noTextEdit="1"/>
+              </p:cNvSpPr>
+              <p:nvPr/>
+            </p:nvSpPr>
+            <p:spPr>
+              <a:xfrm>
+                <a:off x="792709" y="2515401"/>
+                <a:ext cx="561703" cy="391261"/>
+              </a:xfrm>
+              <a:prstGeom prst="rect">
+                <a:avLst/>
+              </a:prstGeom>
+              <a:blipFill>
+                <a:blip r:embed="rId3"/>
+                <a:stretch>
+                  <a:fillRect b="-6250"/>
+                </a:stretch>
+              </a:blipFill>
+            </p:spPr>
+            <p:txBody>
+              <a:bodyPr/>
+              <a:lstStyle/>
+              <a:p>
+                <a:r>
+                  <a:rPr lang="de-DE">
+                    <a:noFill/>
+                  </a:rPr>
+                  <a:t> </a:t>
+                </a:r>
+              </a:p>
+            </p:txBody>
+          </p:sp>
+        </mc:Fallback>
+      </mc:AlternateContent>
+      <mc:AlternateContent xmlns:mc="http://schemas.openxmlformats.org/markup-compatibility/2006">
+        <mc:Choice xmlns:a14="http://schemas.microsoft.com/office/drawing/2010/main" Requires="a14">
+          <p:sp>
+            <p:nvSpPr>
+              <p:cNvPr id="10" name="Textfeld 9">
+                <a:extLst>
+                  <a:ext uri="{FF2B5EF4-FFF2-40B4-BE49-F238E27FC236}">
+                    <a16:creationId xmlns:a16="http://schemas.microsoft.com/office/drawing/2014/main" id="{18FD2A2C-8961-41B7-A760-0C49A4C1280D}"/>
+                  </a:ext>
+                </a:extLst>
+              </p:cNvPr>
+              <p:cNvSpPr txBox="1"/>
+              <p:nvPr/>
+            </p:nvSpPr>
+            <p:spPr>
+              <a:xfrm>
+                <a:off x="6422799" y="1218576"/>
+                <a:ext cx="640080" cy="369332"/>
+              </a:xfrm>
+              <a:prstGeom prst="rect">
+                <a:avLst/>
+              </a:prstGeom>
+              <a:noFill/>
+            </p:spPr>
+            <p:txBody>
+              <a:bodyPr wrap="square" rtlCol="0">
+                <a:spAutoFit/>
+              </a:bodyPr>
+              <a:lstStyle/>
+              <a:p>
+                <a:pPr/>
+                <a14:m>
+                  <m:oMathPara xmlns:m="http://schemas.openxmlformats.org/officeDocument/2006/math">
+                    <m:oMathParaPr>
+                      <m:jc m:val="centerGroup"/>
+                    </m:oMathParaPr>
+                    <m:oMath xmlns:m="http://schemas.openxmlformats.org/officeDocument/2006/math">
+                      <m:sSub>
+                        <m:sSubPr>
+                          <m:ctrlPr>
+                            <a:rPr lang="de-DE" i="1" smtClean="0">
+                              <a:latin typeface="Cambria Math" panose="02040503050406030204" pitchFamily="18" charset="0"/>
+                            </a:rPr>
+                          </m:ctrlPr>
+                        </m:sSubPr>
+                        <m:e>
+                          <m:r>
+                            <a:rPr lang="de-DE" b="0" i="1" smtClean="0">
+                              <a:latin typeface="Cambria Math" panose="02040503050406030204" pitchFamily="18" charset="0"/>
+                            </a:rPr>
+                            <m:t>𝑀</m:t>
+                          </m:r>
+                        </m:e>
+                        <m:sub>
+                          <m:r>
+                            <a:rPr lang="de-DE" b="0" i="1" smtClean="0">
+                              <a:latin typeface="Cambria Math" panose="02040503050406030204" pitchFamily="18" charset="0"/>
+                            </a:rPr>
+                            <m:t>𝑏</m:t>
+                          </m:r>
+                        </m:sub>
+                      </m:sSub>
+                    </m:oMath>
+                  </m:oMathPara>
+                </a14:m>
+                <a:endParaRPr lang="de-DE" dirty="0"/>
+              </a:p>
+            </p:txBody>
+          </p:sp>
+        </mc:Choice>
+        <mc:Fallback>
+          <p:sp>
+            <p:nvSpPr>
+              <p:cNvPr id="10" name="Textfeld 9">
+                <a:extLst>
+                  <a:ext uri="{FF2B5EF4-FFF2-40B4-BE49-F238E27FC236}">
+                    <a16:creationId xmlns:a16="http://schemas.microsoft.com/office/drawing/2014/main" id="{18FD2A2C-8961-41B7-A760-0C49A4C1280D}"/>
+                  </a:ext>
+                </a:extLst>
+              </p:cNvPr>
+              <p:cNvSpPr txBox="1">
+                <a:spLocks noRot="1" noChangeAspect="1" noMove="1" noResize="1" noEditPoints="1" noAdjustHandles="1" noChangeArrowheads="1" noChangeShapeType="1" noTextEdit="1"/>
+              </p:cNvSpPr>
+              <p:nvPr/>
+            </p:nvSpPr>
+            <p:spPr>
+              <a:xfrm>
+                <a:off x="6422799" y="1218576"/>
+                <a:ext cx="640080" cy="369332"/>
+              </a:xfrm>
+              <a:prstGeom prst="rect">
+                <a:avLst/>
+              </a:prstGeom>
+              <a:blipFill>
+                <a:blip r:embed="rId4"/>
+                <a:stretch>
+                  <a:fillRect/>
+                </a:stretch>
+              </a:blipFill>
+            </p:spPr>
+            <p:txBody>
+              <a:bodyPr/>
+              <a:lstStyle/>
+              <a:p>
+                <a:r>
+                  <a:rPr lang="de-DE">
+                    <a:noFill/>
+                  </a:rPr>
+                  <a:t> </a:t>
+                </a:r>
+              </a:p>
+            </p:txBody>
+          </p:sp>
+        </mc:Fallback>
+      </mc:AlternateContent>
+      <mc:AlternateContent xmlns:mc="http://schemas.openxmlformats.org/markup-compatibility/2006">
+        <mc:Choice xmlns:a14="http://schemas.microsoft.com/office/drawing/2010/main" Requires="a14">
+          <p:sp>
+            <p:nvSpPr>
+              <p:cNvPr id="11" name="Textfeld 10">
+                <a:extLst>
+                  <a:ext uri="{FF2B5EF4-FFF2-40B4-BE49-F238E27FC236}">
+                    <a16:creationId xmlns:a16="http://schemas.microsoft.com/office/drawing/2014/main" id="{5F3BDF84-DDE8-4653-A6D6-44B890A4E78E}"/>
+                  </a:ext>
+                </a:extLst>
+              </p:cNvPr>
+              <p:cNvSpPr txBox="1"/>
+              <p:nvPr/>
+            </p:nvSpPr>
+            <p:spPr>
+              <a:xfrm>
+                <a:off x="2704919" y="2537245"/>
+                <a:ext cx="587341" cy="369332"/>
+              </a:xfrm>
+              <a:prstGeom prst="rect">
+                <a:avLst/>
+              </a:prstGeom>
+              <a:noFill/>
+            </p:spPr>
+            <p:txBody>
+              <a:bodyPr wrap="square" rtlCol="0">
+                <a:spAutoFit/>
+              </a:bodyPr>
+              <a:lstStyle/>
+              <a:p>
+                <a:pPr/>
+                <a14:m>
+                  <m:oMathPara xmlns:m="http://schemas.openxmlformats.org/officeDocument/2006/math">
+                    <m:oMathParaPr>
+                      <m:jc m:val="centerGroup"/>
+                    </m:oMathParaPr>
+                    <m:oMath xmlns:m="http://schemas.openxmlformats.org/officeDocument/2006/math">
+                      <m:sSub>
+                        <m:sSubPr>
+                          <m:ctrlPr>
+                            <a:rPr lang="de-DE" i="1" smtClean="0">
+                              <a:latin typeface="Cambria Math" panose="02040503050406030204" pitchFamily="18" charset="0"/>
+                            </a:rPr>
+                          </m:ctrlPr>
+                        </m:sSubPr>
+                        <m:e>
+                          <m:r>
+                            <a:rPr lang="de-DE" b="0" i="1" smtClean="0">
+                              <a:latin typeface="Cambria Math" panose="02040503050406030204" pitchFamily="18" charset="0"/>
+                            </a:rPr>
+                            <m:t>𝐹</m:t>
+                          </m:r>
+                        </m:e>
+                        <m:sub>
+                          <m:r>
+                            <a:rPr lang="de-DE" b="0" i="1" smtClean="0">
+                              <a:latin typeface="Cambria Math" panose="02040503050406030204" pitchFamily="18" charset="0"/>
+                            </a:rPr>
+                            <m:t>𝐺</m:t>
+                          </m:r>
+                        </m:sub>
+                      </m:sSub>
+                    </m:oMath>
+                  </m:oMathPara>
+                </a14:m>
+                <a:endParaRPr lang="de-DE" dirty="0"/>
+              </a:p>
+            </p:txBody>
+          </p:sp>
+        </mc:Choice>
+        <mc:Fallback>
+          <p:sp>
+            <p:nvSpPr>
+              <p:cNvPr id="11" name="Textfeld 10">
+                <a:extLst>
+                  <a:ext uri="{FF2B5EF4-FFF2-40B4-BE49-F238E27FC236}">
+                    <a16:creationId xmlns:a16="http://schemas.microsoft.com/office/drawing/2014/main" id="{5F3BDF84-DDE8-4653-A6D6-44B890A4E78E}"/>
+                  </a:ext>
+                </a:extLst>
+              </p:cNvPr>
+              <p:cNvSpPr txBox="1">
+                <a:spLocks noRot="1" noChangeAspect="1" noMove="1" noResize="1" noEditPoints="1" noAdjustHandles="1" noChangeArrowheads="1" noChangeShapeType="1" noTextEdit="1"/>
+              </p:cNvSpPr>
+              <p:nvPr/>
+            </p:nvSpPr>
+            <p:spPr>
+              <a:xfrm>
+                <a:off x="2704919" y="2537245"/>
+                <a:ext cx="587341" cy="369332"/>
+              </a:xfrm>
+              <a:prstGeom prst="rect">
+                <a:avLst/>
+              </a:prstGeom>
+              <a:blipFill>
+                <a:blip r:embed="rId5"/>
+                <a:stretch>
+                  <a:fillRect/>
+                </a:stretch>
+              </a:blipFill>
+            </p:spPr>
+            <p:txBody>
+              <a:bodyPr/>
+              <a:lstStyle/>
+              <a:p>
+                <a:r>
+                  <a:rPr lang="de-DE">
+                    <a:noFill/>
+                  </a:rPr>
+                  <a:t> </a:t>
+                </a:r>
+              </a:p>
+            </p:txBody>
+          </p:sp>
+        </mc:Fallback>
+      </mc:AlternateContent>
+    </p:spTree>
+    <p:extLst>
+      <p:ext uri="{BB962C8B-B14F-4D97-AF65-F5344CB8AC3E}">
+        <p14:creationId xmlns:p14="http://schemas.microsoft.com/office/powerpoint/2010/main" val="2736542451"/>
+      </p:ext>
+    </p:extLst>
+  </p:cSld>
+  <p:clrMapOvr>
+    <a:masterClrMapping/>
+  </p:clrMapOvr>
+</p:sld>
+</file>
+
+<file path=ppt/slides/slide7.xml><?xml version="1.0" encoding="utf-8"?>
+<p:sld xmlns:a="http://schemas.openxmlformats.org/drawingml/2006/main" xmlns:r="http://schemas.openxmlformats.org/officeDocument/2006/relationships" xmlns:p="http://schemas.openxmlformats.org/presentationml/2006/main">
+  <p:cSld>
+    <p:spTree>
+      <p:nvGrpSpPr>
+        <p:cNvPr id="1" name=""/>
+        <p:cNvGrpSpPr/>
+        <p:nvPr/>
+      </p:nvGrpSpPr>
+      <p:grpSpPr>
+        <a:xfrm>
+          <a:off x="0" y="0"/>
+          <a:ext cx="0" cy="0"/>
+          <a:chOff x="0" y="0"/>
+          <a:chExt cx="0" cy="0"/>
+        </a:xfrm>
+      </p:grpSpPr>
+      <p:cxnSp>
+        <p:nvCxnSpPr>
+          <p:cNvPr id="2" name="Gerader Verbinder 1">
+            <a:extLst>
+              <a:ext uri="{FF2B5EF4-FFF2-40B4-BE49-F238E27FC236}">
+                <a16:creationId xmlns:a16="http://schemas.microsoft.com/office/drawing/2014/main" id="{4F39D6FB-A93D-4444-863E-053795DB4351}"/>
+              </a:ext>
+            </a:extLst>
+          </p:cNvPr>
+          <p:cNvCxnSpPr/>
+          <p:nvPr/>
+        </p:nvCxnSpPr>
+        <p:spPr>
+          <a:xfrm flipV="1">
+            <a:off x="4454434" y="1823699"/>
+            <a:ext cx="1893383" cy="28207"/>
+          </a:xfrm>
+          <a:prstGeom prst="line">
+            <a:avLst/>
+          </a:prstGeom>
+        </p:spPr>
+        <p:style>
+          <a:lnRef idx="1">
+            <a:schemeClr val="dk1"/>
+          </a:lnRef>
+          <a:fillRef idx="0">
+            <a:schemeClr val="dk1"/>
+          </a:fillRef>
+          <a:effectRef idx="0">
+            <a:schemeClr val="dk1"/>
+          </a:effectRef>
+          <a:fontRef idx="minor">
+            <a:schemeClr val="tx1"/>
+          </a:fontRef>
+        </p:style>
+      </p:cxnSp>
+      <p:sp>
+        <p:nvSpPr>
+          <p:cNvPr id="3" name="Freihandform 3">
+            <a:extLst>
+              <a:ext uri="{FF2B5EF4-FFF2-40B4-BE49-F238E27FC236}">
+                <a16:creationId xmlns:a16="http://schemas.microsoft.com/office/drawing/2014/main" id="{67C8DCEE-D75B-4CF0-8B19-796D5790C27F}"/>
+              </a:ext>
+            </a:extLst>
+          </p:cNvPr>
+          <p:cNvSpPr/>
+          <p:nvPr/>
+        </p:nvSpPr>
+        <p:spPr>
+          <a:xfrm>
+            <a:off x="3967626" y="1436324"/>
+            <a:ext cx="261991" cy="745911"/>
+          </a:xfrm>
+          <a:custGeom>
+            <a:avLst/>
+            <a:gdLst>
+              <a:gd name="connsiteX0" fmla="*/ 209496 w 261991"/>
+              <a:gd name="connsiteY0" fmla="*/ 0 h 745911"/>
+              <a:gd name="connsiteX1" fmla="*/ 490 w 261991"/>
+              <a:gd name="connsiteY1" fmla="*/ 274320 h 745911"/>
+              <a:gd name="connsiteX2" fmla="*/ 261747 w 261991"/>
+              <a:gd name="connsiteY2" fmla="*/ 483325 h 745911"/>
+              <a:gd name="connsiteX3" fmla="*/ 52741 w 261991"/>
+              <a:gd name="connsiteY3" fmla="*/ 744583 h 745911"/>
+            </a:gdLst>
+            <a:ahLst/>
+            <a:cxnLst>
+              <a:cxn ang="0">
+                <a:pos x="connsiteX0" y="connsiteY0"/>
+              </a:cxn>
+              <a:cxn ang="0">
+                <a:pos x="connsiteX1" y="connsiteY1"/>
+              </a:cxn>
+              <a:cxn ang="0">
+                <a:pos x="connsiteX2" y="connsiteY2"/>
+              </a:cxn>
+              <a:cxn ang="0">
+                <a:pos x="connsiteX3" y="connsiteY3"/>
+              </a:cxn>
+            </a:cxnLst>
+            <a:rect l="l" t="t" r="r" b="b"/>
+            <a:pathLst>
+              <a:path w="261991" h="745911">
+                <a:moveTo>
+                  <a:pt x="209496" y="0"/>
+                </a:moveTo>
+                <a:cubicBezTo>
+                  <a:pt x="100638" y="96883"/>
+                  <a:pt x="-8219" y="193766"/>
+                  <a:pt x="490" y="274320"/>
+                </a:cubicBezTo>
+                <a:cubicBezTo>
+                  <a:pt x="9198" y="354874"/>
+                  <a:pt x="253039" y="404948"/>
+                  <a:pt x="261747" y="483325"/>
+                </a:cubicBezTo>
+                <a:cubicBezTo>
+                  <a:pt x="270455" y="561702"/>
+                  <a:pt x="44032" y="764177"/>
+                  <a:pt x="52741" y="744583"/>
+                </a:cubicBezTo>
+              </a:path>
+            </a:pathLst>
+          </a:custGeom>
+        </p:spPr>
+        <p:style>
+          <a:lnRef idx="1">
+            <a:schemeClr val="dk1"/>
+          </a:lnRef>
+          <a:fillRef idx="0">
+            <a:schemeClr val="dk1"/>
+          </a:fillRef>
+          <a:effectRef idx="0">
+            <a:schemeClr val="dk1"/>
+          </a:effectRef>
+          <a:fontRef idx="minor">
+            <a:schemeClr val="tx1"/>
+          </a:fontRef>
+        </p:style>
+        <p:txBody>
+          <a:bodyPr rtlCol="0" anchor="ctr"/>
+          <a:lstStyle/>
+          <a:p>
+            <a:pPr algn="ctr"/>
+            <a:endParaRPr lang="de-DE"/>
+          </a:p>
+        </p:txBody>
+      </p:sp>
+      <p:cxnSp>
+        <p:nvCxnSpPr>
+          <p:cNvPr id="4" name="Gerade Verbindung mit Pfeil 3">
+            <a:extLst>
+              <a:ext uri="{FF2B5EF4-FFF2-40B4-BE49-F238E27FC236}">
+                <a16:creationId xmlns:a16="http://schemas.microsoft.com/office/drawing/2014/main" id="{B2691EE8-FB02-4E34-AE03-F65E09D8CCFE}"/>
+              </a:ext>
+            </a:extLst>
+          </p:cNvPr>
+          <p:cNvCxnSpPr/>
+          <p:nvPr/>
+        </p:nvCxnSpPr>
+        <p:spPr>
+          <a:xfrm flipH="1" flipV="1">
+            <a:off x="3689899" y="1358899"/>
+            <a:ext cx="13359" cy="900760"/>
+          </a:xfrm>
+          <a:prstGeom prst="straightConnector1">
+            <a:avLst/>
+          </a:prstGeom>
+          <a:ln w="76200">
+            <a:tailEnd type="triangle"/>
+          </a:ln>
+        </p:spPr>
+        <p:style>
+          <a:lnRef idx="1">
+            <a:schemeClr val="accent1"/>
+          </a:lnRef>
+          <a:fillRef idx="0">
+            <a:schemeClr val="accent1"/>
+          </a:fillRef>
+          <a:effectRef idx="0">
+            <a:schemeClr val="accent1"/>
+          </a:effectRef>
+          <a:fontRef idx="minor">
+            <a:schemeClr val="tx1"/>
+          </a:fontRef>
+        </p:style>
+      </p:cxnSp>
+      <mc:AlternateContent xmlns:mc="http://schemas.openxmlformats.org/markup-compatibility/2006">
+        <mc:Choice xmlns:a14="http://schemas.microsoft.com/office/drawing/2010/main" Requires="a14">
+          <p:sp>
+            <p:nvSpPr>
+              <p:cNvPr id="5" name="Textfeld 4">
+                <a:extLst>
+                  <a:ext uri="{FF2B5EF4-FFF2-40B4-BE49-F238E27FC236}">
+                    <a16:creationId xmlns:a16="http://schemas.microsoft.com/office/drawing/2014/main" id="{643141F7-9CAA-47F9-8CA5-1D1831E6819A}"/>
+                  </a:ext>
+                </a:extLst>
+              </p:cNvPr>
+              <p:cNvSpPr txBox="1"/>
+              <p:nvPr/>
+            </p:nvSpPr>
+            <p:spPr>
+              <a:xfrm>
+                <a:off x="3218410" y="1519019"/>
+                <a:ext cx="365760" cy="388889"/>
+              </a:xfrm>
+              <a:prstGeom prst="rect">
+                <a:avLst/>
+              </a:prstGeom>
+              <a:noFill/>
+            </p:spPr>
+            <p:txBody>
+              <a:bodyPr wrap="square" rtlCol="0">
+                <a:spAutoFit/>
+              </a:bodyPr>
+              <a:lstStyle/>
+              <a:p>
+                <a:pPr/>
+                <a14:m>
+                  <m:oMathPara xmlns:m="http://schemas.openxmlformats.org/officeDocument/2006/math">
+                    <m:oMathParaPr>
+                      <m:jc m:val="centerGroup"/>
+                    </m:oMathParaPr>
+                    <m:oMath xmlns:m="http://schemas.openxmlformats.org/officeDocument/2006/math">
+                      <m:sSub>
+                        <m:sSubPr>
+                          <m:ctrlPr>
+                            <a:rPr lang="de-DE" i="1" smtClean="0">
+                              <a:latin typeface="Cambria Math" panose="02040503050406030204" pitchFamily="18" charset="0"/>
+                            </a:rPr>
+                          </m:ctrlPr>
+                        </m:sSubPr>
+                        <m:e>
+                          <m:r>
+                            <a:rPr lang="de-DE" b="0" i="1" smtClean="0">
+                              <a:latin typeface="Cambria Math" panose="02040503050406030204" pitchFamily="18" charset="0"/>
+                            </a:rPr>
+                            <m:t>𝐹</m:t>
+                          </m:r>
+                        </m:e>
+                        <m:sub>
+                          <m:r>
+                            <a:rPr lang="de-DE" b="0" i="1" smtClean="0">
+                              <a:latin typeface="Cambria Math" panose="02040503050406030204" pitchFamily="18" charset="0"/>
+                            </a:rPr>
+                            <m:t>𝑄</m:t>
+                          </m:r>
+                        </m:sub>
+                      </m:sSub>
+                    </m:oMath>
+                  </m:oMathPara>
+                </a14:m>
+                <a:endParaRPr lang="de-DE" dirty="0"/>
+              </a:p>
+            </p:txBody>
+          </p:sp>
+        </mc:Choice>
+        <mc:Fallback>
+          <p:sp>
+            <p:nvSpPr>
+              <p:cNvPr id="5" name="Textfeld 4">
+                <a:extLst>
+                  <a:ext uri="{FF2B5EF4-FFF2-40B4-BE49-F238E27FC236}">
+                    <a16:creationId xmlns:a16="http://schemas.microsoft.com/office/drawing/2014/main" id="{643141F7-9CAA-47F9-8CA5-1D1831E6819A}"/>
+                  </a:ext>
+                </a:extLst>
+              </p:cNvPr>
+              <p:cNvSpPr txBox="1">
+                <a:spLocks noRot="1" noChangeAspect="1" noMove="1" noResize="1" noEditPoints="1" noAdjustHandles="1" noChangeArrowheads="1" noChangeShapeType="1" noTextEdit="1"/>
+              </p:cNvSpPr>
+              <p:nvPr/>
+            </p:nvSpPr>
+            <p:spPr>
+              <a:xfrm>
+                <a:off x="3218410" y="1519019"/>
+                <a:ext cx="365760" cy="388889"/>
+              </a:xfrm>
+              <a:prstGeom prst="rect">
+                <a:avLst/>
+              </a:prstGeom>
+              <a:blipFill>
+                <a:blip r:embed="rId2"/>
+                <a:stretch>
+                  <a:fillRect r="-10000" b="-7813"/>
+                </a:stretch>
+              </a:blipFill>
+            </p:spPr>
+            <p:txBody>
+              <a:bodyPr/>
+              <a:lstStyle/>
+              <a:p>
+                <a:r>
+                  <a:rPr lang="de-DE">
+                    <a:noFill/>
+                  </a:rPr>
+                  <a:t> </a:t>
+                </a:r>
+              </a:p>
+            </p:txBody>
+          </p:sp>
+        </mc:Fallback>
+      </mc:AlternateContent>
+      <p:cxnSp>
+        <p:nvCxnSpPr>
+          <p:cNvPr id="6" name="Gerade Verbindung mit Pfeil 5">
+            <a:extLst>
+              <a:ext uri="{FF2B5EF4-FFF2-40B4-BE49-F238E27FC236}">
+                <a16:creationId xmlns:a16="http://schemas.microsoft.com/office/drawing/2014/main" id="{55969782-2B86-487D-8E75-336AF17DB7AC}"/>
+              </a:ext>
+            </a:extLst>
+          </p:cNvPr>
+          <p:cNvCxnSpPr/>
+          <p:nvPr/>
+        </p:nvCxnSpPr>
+        <p:spPr>
+          <a:xfrm>
+            <a:off x="6347817" y="1796827"/>
+            <a:ext cx="0" cy="925664"/>
+          </a:xfrm>
+          <a:prstGeom prst="straightConnector1">
+            <a:avLst/>
+          </a:prstGeom>
+          <a:ln w="38100">
+            <a:tailEnd type="triangle"/>
+          </a:ln>
+        </p:spPr>
+        <p:style>
+          <a:lnRef idx="1">
+            <a:schemeClr val="accent2"/>
+          </a:lnRef>
+          <a:fillRef idx="0">
+            <a:schemeClr val="accent2"/>
+          </a:fillRef>
+          <a:effectRef idx="0">
+            <a:schemeClr val="accent2"/>
+          </a:effectRef>
+          <a:fontRef idx="minor">
+            <a:schemeClr val="tx1"/>
+          </a:fontRef>
+        </p:style>
+      </p:cxnSp>
+      <mc:AlternateContent xmlns:mc="http://schemas.openxmlformats.org/markup-compatibility/2006">
+        <mc:Choice xmlns:a14="http://schemas.microsoft.com/office/drawing/2010/main" Requires="a14">
+          <p:sp>
+            <p:nvSpPr>
+              <p:cNvPr id="7" name="Textfeld 6">
+                <a:extLst>
+                  <a:ext uri="{FF2B5EF4-FFF2-40B4-BE49-F238E27FC236}">
+                    <a16:creationId xmlns:a16="http://schemas.microsoft.com/office/drawing/2014/main" id="{DC323526-F0D0-4F01-954D-21558FA0D1D2}"/>
+                  </a:ext>
+                </a:extLst>
+              </p:cNvPr>
+              <p:cNvSpPr txBox="1"/>
+              <p:nvPr/>
+            </p:nvSpPr>
+            <p:spPr>
+              <a:xfrm>
+                <a:off x="2435562" y="858514"/>
+                <a:ext cx="640080" cy="369332"/>
+              </a:xfrm>
+              <a:prstGeom prst="rect">
+                <a:avLst/>
+              </a:prstGeom>
+              <a:noFill/>
+            </p:spPr>
+            <p:txBody>
+              <a:bodyPr wrap="square" rtlCol="0">
+                <a:spAutoFit/>
+              </a:bodyPr>
+              <a:lstStyle/>
+              <a:p>
+                <a:pPr/>
+                <a14:m>
+                  <m:oMathPara xmlns:m="http://schemas.openxmlformats.org/officeDocument/2006/math">
+                    <m:oMathParaPr>
+                      <m:jc m:val="centerGroup"/>
+                    </m:oMathParaPr>
+                    <m:oMath xmlns:m="http://schemas.openxmlformats.org/officeDocument/2006/math">
+                      <m:sSub>
+                        <m:sSubPr>
+                          <m:ctrlPr>
+                            <a:rPr lang="de-DE" i="1" smtClean="0">
+                              <a:latin typeface="Cambria Math" panose="02040503050406030204" pitchFamily="18" charset="0"/>
+                            </a:rPr>
+                          </m:ctrlPr>
+                        </m:sSubPr>
+                        <m:e>
+                          <m:r>
+                            <a:rPr lang="de-DE" b="0" i="1" smtClean="0">
+                              <a:latin typeface="Cambria Math" panose="02040503050406030204" pitchFamily="18" charset="0"/>
+                            </a:rPr>
+                            <m:t>𝑀</m:t>
+                          </m:r>
+                        </m:e>
+                        <m:sub>
+                          <m:r>
+                            <a:rPr lang="de-DE" b="0" i="1" smtClean="0">
+                              <a:latin typeface="Cambria Math" panose="02040503050406030204" pitchFamily="18" charset="0"/>
+                            </a:rPr>
+                            <m:t>𝑏</m:t>
+                          </m:r>
+                        </m:sub>
+                      </m:sSub>
+                    </m:oMath>
+                  </m:oMathPara>
+                </a14:m>
+                <a:endParaRPr lang="de-DE" dirty="0"/>
+              </a:p>
+            </p:txBody>
+          </p:sp>
+        </mc:Choice>
+        <mc:Fallback>
+          <p:sp>
+            <p:nvSpPr>
+              <p:cNvPr id="7" name="Textfeld 6">
+                <a:extLst>
+                  <a:ext uri="{FF2B5EF4-FFF2-40B4-BE49-F238E27FC236}">
+                    <a16:creationId xmlns:a16="http://schemas.microsoft.com/office/drawing/2014/main" id="{DC323526-F0D0-4F01-954D-21558FA0D1D2}"/>
+                  </a:ext>
+                </a:extLst>
+              </p:cNvPr>
+              <p:cNvSpPr txBox="1">
+                <a:spLocks noRot="1" noChangeAspect="1" noMove="1" noResize="1" noEditPoints="1" noAdjustHandles="1" noChangeArrowheads="1" noChangeShapeType="1" noTextEdit="1"/>
+              </p:cNvSpPr>
+              <p:nvPr/>
+            </p:nvSpPr>
+            <p:spPr>
+              <a:xfrm>
+                <a:off x="2435562" y="858514"/>
+                <a:ext cx="640080" cy="369332"/>
+              </a:xfrm>
+              <a:prstGeom prst="rect">
+                <a:avLst/>
+              </a:prstGeom>
+              <a:blipFill>
+                <a:blip r:embed="rId3"/>
+                <a:stretch>
+                  <a:fillRect/>
+                </a:stretch>
+              </a:blipFill>
+            </p:spPr>
+            <p:txBody>
+              <a:bodyPr/>
+              <a:lstStyle/>
+              <a:p>
+                <a:r>
+                  <a:rPr lang="de-DE">
+                    <a:noFill/>
+                  </a:rPr>
+                  <a:t> </a:t>
+                </a:r>
+              </a:p>
+            </p:txBody>
+          </p:sp>
+        </mc:Fallback>
+      </mc:AlternateContent>
+      <mc:AlternateContent xmlns:mc="http://schemas.openxmlformats.org/markup-compatibility/2006">
+        <mc:Choice xmlns:a14="http://schemas.microsoft.com/office/drawing/2010/main" Requires="a14">
+          <p:sp>
+            <p:nvSpPr>
+              <p:cNvPr id="8" name="Textfeld 7">
+                <a:extLst>
+                  <a:ext uri="{FF2B5EF4-FFF2-40B4-BE49-F238E27FC236}">
+                    <a16:creationId xmlns:a16="http://schemas.microsoft.com/office/drawing/2014/main" id="{6DA0CB6D-ADCE-44D1-8E7E-9BEC86573221}"/>
+                  </a:ext>
+                </a:extLst>
+              </p:cNvPr>
+              <p:cNvSpPr txBox="1"/>
+              <p:nvPr/>
+            </p:nvSpPr>
+            <p:spPr>
+              <a:xfrm>
+                <a:off x="6409669" y="2125908"/>
+                <a:ext cx="504998" cy="369332"/>
+              </a:xfrm>
+              <a:prstGeom prst="rect">
+                <a:avLst/>
+              </a:prstGeom>
+              <a:noFill/>
+            </p:spPr>
+            <p:txBody>
+              <a:bodyPr wrap="square" rtlCol="0">
+                <a:spAutoFit/>
+              </a:bodyPr>
+              <a:lstStyle/>
+              <a:p>
+                <a:pPr/>
+                <a14:m>
+                  <m:oMathPara xmlns:m="http://schemas.openxmlformats.org/officeDocument/2006/math">
+                    <m:oMathParaPr>
+                      <m:jc m:val="centerGroup"/>
+                    </m:oMathParaPr>
+                    <m:oMath xmlns:m="http://schemas.openxmlformats.org/officeDocument/2006/math">
+                      <m:sSub>
+                        <m:sSubPr>
+                          <m:ctrlPr>
+                            <a:rPr lang="de-DE" i="1" smtClean="0">
+                              <a:latin typeface="Cambria Math" panose="02040503050406030204" pitchFamily="18" charset="0"/>
+                            </a:rPr>
+                          </m:ctrlPr>
+                        </m:sSubPr>
+                        <m:e>
+                          <m:r>
+                            <a:rPr lang="de-DE" b="0" i="1" smtClean="0">
+                              <a:latin typeface="Cambria Math" panose="02040503050406030204" pitchFamily="18" charset="0"/>
+                            </a:rPr>
+                            <m:t>𝐹</m:t>
+                          </m:r>
+                        </m:e>
+                        <m:sub>
+                          <m:r>
+                            <a:rPr lang="de-DE" b="0" i="1" smtClean="0">
+                              <a:latin typeface="Cambria Math" panose="02040503050406030204" pitchFamily="18" charset="0"/>
+                            </a:rPr>
+                            <m:t>𝐾</m:t>
+                          </m:r>
+                          <m:r>
+                            <a:rPr lang="de-DE" b="0" i="1" smtClean="0">
+                              <a:latin typeface="Cambria Math" panose="02040503050406030204" pitchFamily="18" charset="0"/>
+                            </a:rPr>
+                            <m:t>𝑧</m:t>
+                          </m:r>
+                        </m:sub>
+                      </m:sSub>
+                    </m:oMath>
+                  </m:oMathPara>
+                </a14:m>
+                <a:endParaRPr lang="de-DE" dirty="0"/>
+              </a:p>
+            </p:txBody>
+          </p:sp>
+        </mc:Choice>
+        <mc:Fallback>
+          <p:sp>
+            <p:nvSpPr>
+              <p:cNvPr id="8" name="Textfeld 7">
+                <a:extLst>
+                  <a:ext uri="{FF2B5EF4-FFF2-40B4-BE49-F238E27FC236}">
+                    <a16:creationId xmlns:a16="http://schemas.microsoft.com/office/drawing/2014/main" id="{6DA0CB6D-ADCE-44D1-8E7E-9BEC86573221}"/>
+                  </a:ext>
+                </a:extLst>
+              </p:cNvPr>
+              <p:cNvSpPr txBox="1">
+                <a:spLocks noRot="1" noChangeAspect="1" noMove="1" noResize="1" noEditPoints="1" noAdjustHandles="1" noChangeArrowheads="1" noChangeShapeType="1" noTextEdit="1"/>
+              </p:cNvSpPr>
+              <p:nvPr/>
+            </p:nvSpPr>
+            <p:spPr>
+              <a:xfrm>
+                <a:off x="6409669" y="2125908"/>
+                <a:ext cx="504998" cy="369332"/>
+              </a:xfrm>
+              <a:prstGeom prst="rect">
+                <a:avLst/>
+              </a:prstGeom>
+              <a:blipFill>
+                <a:blip r:embed="rId4"/>
+                <a:stretch>
+                  <a:fillRect/>
+                </a:stretch>
+              </a:blipFill>
+            </p:spPr>
+            <p:txBody>
+              <a:bodyPr/>
+              <a:lstStyle/>
+              <a:p>
+                <a:r>
+                  <a:rPr lang="de-DE">
+                    <a:noFill/>
+                  </a:rPr>
+                  <a:t> </a:t>
+                </a:r>
+              </a:p>
+            </p:txBody>
+          </p:sp>
+        </mc:Fallback>
+      </mc:AlternateContent>
+      <p:sp>
+        <p:nvSpPr>
+          <p:cNvPr id="9" name="Nach links gekrümmter Pfeil 10">
+            <a:extLst>
+              <a:ext uri="{FF2B5EF4-FFF2-40B4-BE49-F238E27FC236}">
+                <a16:creationId xmlns:a16="http://schemas.microsoft.com/office/drawing/2014/main" id="{48ECBEA4-4F99-404E-A720-2E12D01E9396}"/>
+              </a:ext>
+            </a:extLst>
+          </p:cNvPr>
+          <p:cNvSpPr/>
+          <p:nvPr/>
+        </p:nvSpPr>
+        <p:spPr>
+          <a:xfrm rot="10800000">
+            <a:off x="2657387" y="1105387"/>
+            <a:ext cx="731520" cy="1216152"/>
+          </a:xfrm>
+          <a:prstGeom prst="curvedLeftArrow">
+            <a:avLst/>
+          </a:prstGeom>
+        </p:spPr>
+        <p:style>
+          <a:lnRef idx="2">
+            <a:schemeClr val="accent1">
+              <a:shade val="50000"/>
+            </a:schemeClr>
+          </a:lnRef>
+          <a:fillRef idx="1">
+            <a:schemeClr val="accent1"/>
+          </a:fillRef>
+          <a:effectRef idx="0">
+            <a:schemeClr val="accent1"/>
+          </a:effectRef>
+          <a:fontRef idx="minor">
+            <a:schemeClr val="lt1"/>
+          </a:fontRef>
+        </p:style>
+        <p:txBody>
+          <a:bodyPr rtlCol="0" anchor="ctr"/>
+          <a:lstStyle/>
+          <a:p>
+            <a:pPr algn="ctr"/>
+            <a:endParaRPr lang="de-DE">
+              <a:solidFill>
+                <a:schemeClr val="tx1"/>
+              </a:solidFill>
+            </a:endParaRPr>
+          </a:p>
+        </p:txBody>
+      </p:sp>
+    </p:spTree>
+    <p:extLst>
+      <p:ext uri="{BB962C8B-B14F-4D97-AF65-F5344CB8AC3E}">
+        <p14:creationId xmlns:p14="http://schemas.microsoft.com/office/powerpoint/2010/main" val="3305678162"/>
+      </p:ext>
+    </p:extLst>
+  </p:cSld>
+  <p:clrMapOvr>
+    <a:masterClrMapping/>
+  </p:clrMapOvr>
+</p:sld>
+</file>
+
+<file path=ppt/slides/slide8.xml><?xml version="1.0" encoding="utf-8"?>
+<p:sld xmlns:a="http://schemas.openxmlformats.org/drawingml/2006/main" xmlns:r="http://schemas.openxmlformats.org/officeDocument/2006/relationships" xmlns:p="http://schemas.openxmlformats.org/presentationml/2006/main">
+  <p:cSld>
+    <p:spTree>
+      <p:nvGrpSpPr>
+        <p:cNvPr id="1" name=""/>
+        <p:cNvGrpSpPr/>
+        <p:nvPr/>
+      </p:nvGrpSpPr>
+      <p:grpSpPr>
+        <a:xfrm>
+          <a:off x="0" y="0"/>
+          <a:ext cx="0" cy="0"/>
+          <a:chOff x="0" y="0"/>
+          <a:chExt cx="0" cy="0"/>
+        </a:xfrm>
+      </p:grpSpPr>
+      <p:cxnSp>
+        <p:nvCxnSpPr>
+          <p:cNvPr id="2" name="Gerader Verbinder 1">
+            <a:extLst>
+              <a:ext uri="{FF2B5EF4-FFF2-40B4-BE49-F238E27FC236}">
+                <a16:creationId xmlns:a16="http://schemas.microsoft.com/office/drawing/2014/main" id="{8B77B987-2A80-4558-9055-68860F619106}"/>
+              </a:ext>
+            </a:extLst>
+          </p:cNvPr>
+          <p:cNvCxnSpPr/>
+          <p:nvPr/>
+        </p:nvCxnSpPr>
+        <p:spPr>
+          <a:xfrm flipV="1">
+            <a:off x="3422469" y="1823700"/>
+            <a:ext cx="2925348" cy="14101"/>
+          </a:xfrm>
+          <a:prstGeom prst="line">
+            <a:avLst/>
+          </a:prstGeom>
+        </p:spPr>
+        <p:style>
+          <a:lnRef idx="1">
+            <a:schemeClr val="dk1"/>
+          </a:lnRef>
+          <a:fillRef idx="0">
+            <a:schemeClr val="dk1"/>
+          </a:fillRef>
+          <a:effectRef idx="0">
+            <a:schemeClr val="dk1"/>
+          </a:effectRef>
+          <a:fontRef idx="minor">
+            <a:schemeClr val="tx1"/>
+          </a:fontRef>
+        </p:style>
+      </p:cxnSp>
+      <p:sp>
+        <p:nvSpPr>
+          <p:cNvPr id="3" name="Freihandform 2">
+            <a:extLst>
+              <a:ext uri="{FF2B5EF4-FFF2-40B4-BE49-F238E27FC236}">
+                <a16:creationId xmlns:a16="http://schemas.microsoft.com/office/drawing/2014/main" id="{676C8759-5115-4A7C-9EF4-CA01E1E575B5}"/>
+              </a:ext>
+            </a:extLst>
+          </p:cNvPr>
+          <p:cNvSpPr/>
+          <p:nvPr/>
+        </p:nvSpPr>
+        <p:spPr>
+          <a:xfrm>
+            <a:off x="2899150" y="1405161"/>
+            <a:ext cx="261991" cy="745911"/>
+          </a:xfrm>
+          <a:custGeom>
+            <a:avLst/>
+            <a:gdLst>
+              <a:gd name="connsiteX0" fmla="*/ 209496 w 261991"/>
+              <a:gd name="connsiteY0" fmla="*/ 0 h 745911"/>
+              <a:gd name="connsiteX1" fmla="*/ 490 w 261991"/>
+              <a:gd name="connsiteY1" fmla="*/ 274320 h 745911"/>
+              <a:gd name="connsiteX2" fmla="*/ 261747 w 261991"/>
+              <a:gd name="connsiteY2" fmla="*/ 483325 h 745911"/>
+              <a:gd name="connsiteX3" fmla="*/ 52741 w 261991"/>
+              <a:gd name="connsiteY3" fmla="*/ 744583 h 745911"/>
+            </a:gdLst>
+            <a:ahLst/>
+            <a:cxnLst>
+              <a:cxn ang="0">
+                <a:pos x="connsiteX0" y="connsiteY0"/>
+              </a:cxn>
+              <a:cxn ang="0">
+                <a:pos x="connsiteX1" y="connsiteY1"/>
+              </a:cxn>
+              <a:cxn ang="0">
+                <a:pos x="connsiteX2" y="connsiteY2"/>
+              </a:cxn>
+              <a:cxn ang="0">
+                <a:pos x="connsiteX3" y="connsiteY3"/>
+              </a:cxn>
+            </a:cxnLst>
+            <a:rect l="l" t="t" r="r" b="b"/>
+            <a:pathLst>
+              <a:path w="261991" h="745911">
+                <a:moveTo>
+                  <a:pt x="209496" y="0"/>
+                </a:moveTo>
+                <a:cubicBezTo>
+                  <a:pt x="100638" y="96883"/>
+                  <a:pt x="-8219" y="193766"/>
+                  <a:pt x="490" y="274320"/>
+                </a:cubicBezTo>
+                <a:cubicBezTo>
+                  <a:pt x="9198" y="354874"/>
+                  <a:pt x="253039" y="404948"/>
+                  <a:pt x="261747" y="483325"/>
+                </a:cubicBezTo>
+                <a:cubicBezTo>
+                  <a:pt x="270455" y="561702"/>
+                  <a:pt x="44032" y="764177"/>
+                  <a:pt x="52741" y="744583"/>
+                </a:cubicBezTo>
+              </a:path>
+            </a:pathLst>
+          </a:custGeom>
+        </p:spPr>
+        <p:style>
+          <a:lnRef idx="1">
+            <a:schemeClr val="dk1"/>
+          </a:lnRef>
+          <a:fillRef idx="0">
+            <a:schemeClr val="dk1"/>
+          </a:fillRef>
+          <a:effectRef idx="0">
+            <a:schemeClr val="dk1"/>
+          </a:effectRef>
+          <a:fontRef idx="minor">
+            <a:schemeClr val="tx1"/>
+          </a:fontRef>
+        </p:style>
+        <p:txBody>
+          <a:bodyPr rtlCol="0" anchor="ctr"/>
+          <a:lstStyle/>
+          <a:p>
+            <a:pPr algn="ctr"/>
+            <a:endParaRPr lang="de-DE"/>
+          </a:p>
+        </p:txBody>
+      </p:sp>
+      <p:cxnSp>
+        <p:nvCxnSpPr>
+          <p:cNvPr id="4" name="Gerade Verbindung mit Pfeil 3">
+            <a:extLst>
+              <a:ext uri="{FF2B5EF4-FFF2-40B4-BE49-F238E27FC236}">
+                <a16:creationId xmlns:a16="http://schemas.microsoft.com/office/drawing/2014/main" id="{FE715E55-9135-475D-A624-892CB394E928}"/>
+              </a:ext>
+            </a:extLst>
+          </p:cNvPr>
+          <p:cNvCxnSpPr/>
+          <p:nvPr/>
+        </p:nvCxnSpPr>
+        <p:spPr>
+          <a:xfrm flipH="1" flipV="1">
+            <a:off x="2452946" y="1302705"/>
+            <a:ext cx="13897" cy="836486"/>
+          </a:xfrm>
+          <a:prstGeom prst="straightConnector1">
+            <a:avLst/>
+          </a:prstGeom>
+          <a:ln w="76200">
+            <a:tailEnd type="triangle"/>
+          </a:ln>
+        </p:spPr>
+        <p:style>
+          <a:lnRef idx="1">
+            <a:schemeClr val="accent1"/>
+          </a:lnRef>
+          <a:fillRef idx="0">
+            <a:schemeClr val="accent1"/>
+          </a:fillRef>
+          <a:effectRef idx="0">
+            <a:schemeClr val="accent1"/>
+          </a:effectRef>
+          <a:fontRef idx="minor">
+            <a:schemeClr val="tx1"/>
+          </a:fontRef>
+        </p:style>
+      </p:cxnSp>
+      <mc:AlternateContent xmlns:mc="http://schemas.openxmlformats.org/markup-compatibility/2006">
+        <mc:Choice xmlns:a14="http://schemas.microsoft.com/office/drawing/2010/main" Requires="a14">
+          <p:sp>
+            <p:nvSpPr>
+              <p:cNvPr id="5" name="Textfeld 4">
+                <a:extLst>
+                  <a:ext uri="{FF2B5EF4-FFF2-40B4-BE49-F238E27FC236}">
+                    <a16:creationId xmlns:a16="http://schemas.microsoft.com/office/drawing/2014/main" id="{7AF211D4-5A62-4778-BADC-DFBDBFB39754}"/>
+                  </a:ext>
+                </a:extLst>
+              </p:cNvPr>
+              <p:cNvSpPr txBox="1"/>
+              <p:nvPr/>
+            </p:nvSpPr>
+            <p:spPr>
+              <a:xfrm>
+                <a:off x="1784651" y="1614834"/>
+                <a:ext cx="376765" cy="388889"/>
+              </a:xfrm>
+              <a:prstGeom prst="rect">
+                <a:avLst/>
+              </a:prstGeom>
+              <a:noFill/>
+            </p:spPr>
+            <p:txBody>
+              <a:bodyPr wrap="square" rtlCol="0">
+                <a:spAutoFit/>
+              </a:bodyPr>
+              <a:lstStyle/>
+              <a:p>
+                <a:pPr/>
+                <a14:m>
+                  <m:oMathPara xmlns:m="http://schemas.openxmlformats.org/officeDocument/2006/math">
+                    <m:oMathParaPr>
+                      <m:jc m:val="centerGroup"/>
+                    </m:oMathParaPr>
+                    <m:oMath xmlns:m="http://schemas.openxmlformats.org/officeDocument/2006/math">
+                      <m:sSub>
+                        <m:sSubPr>
+                          <m:ctrlPr>
+                            <a:rPr lang="de-DE" i="1" smtClean="0">
+                              <a:latin typeface="Cambria Math" panose="02040503050406030204" pitchFamily="18" charset="0"/>
+                            </a:rPr>
+                          </m:ctrlPr>
+                        </m:sSubPr>
+                        <m:e>
+                          <m:r>
+                            <a:rPr lang="de-DE" b="0" i="1" smtClean="0">
+                              <a:latin typeface="Cambria Math" panose="02040503050406030204" pitchFamily="18" charset="0"/>
+                            </a:rPr>
+                            <m:t>𝐹</m:t>
+                          </m:r>
+                        </m:e>
+                        <m:sub>
+                          <m:r>
+                            <a:rPr lang="de-DE" b="0" i="1" smtClean="0">
+                              <a:latin typeface="Cambria Math" panose="02040503050406030204" pitchFamily="18" charset="0"/>
+                            </a:rPr>
+                            <m:t>𝑄</m:t>
+                          </m:r>
+                        </m:sub>
+                      </m:sSub>
+                    </m:oMath>
+                  </m:oMathPara>
+                </a14:m>
+                <a:endParaRPr lang="de-DE" dirty="0"/>
+              </a:p>
+            </p:txBody>
+          </p:sp>
+        </mc:Choice>
+        <mc:Fallback>
+          <p:sp>
+            <p:nvSpPr>
+              <p:cNvPr id="5" name="Textfeld 4">
+                <a:extLst>
+                  <a:ext uri="{FF2B5EF4-FFF2-40B4-BE49-F238E27FC236}">
+                    <a16:creationId xmlns:a16="http://schemas.microsoft.com/office/drawing/2014/main" id="{7AF211D4-5A62-4778-BADC-DFBDBFB39754}"/>
+                  </a:ext>
+                </a:extLst>
+              </p:cNvPr>
+              <p:cNvSpPr txBox="1">
+                <a:spLocks noRot="1" noChangeAspect="1" noMove="1" noResize="1" noEditPoints="1" noAdjustHandles="1" noChangeArrowheads="1" noChangeShapeType="1" noTextEdit="1"/>
+              </p:cNvSpPr>
+              <p:nvPr/>
+            </p:nvSpPr>
+            <p:spPr>
+              <a:xfrm>
+                <a:off x="1784651" y="1614834"/>
+                <a:ext cx="376765" cy="388889"/>
+              </a:xfrm>
+              <a:prstGeom prst="rect">
+                <a:avLst/>
+              </a:prstGeom>
+              <a:blipFill>
+                <a:blip r:embed="rId2"/>
+                <a:stretch>
+                  <a:fillRect r="-6452" b="-6250"/>
+                </a:stretch>
+              </a:blipFill>
+            </p:spPr>
+            <p:txBody>
+              <a:bodyPr/>
+              <a:lstStyle/>
+              <a:p>
+                <a:r>
+                  <a:rPr lang="de-DE">
+                    <a:noFill/>
+                  </a:rPr>
+                  <a:t> </a:t>
+                </a:r>
+              </a:p>
+            </p:txBody>
+          </p:sp>
+        </mc:Fallback>
+      </mc:AlternateContent>
+      <p:cxnSp>
+        <p:nvCxnSpPr>
+          <p:cNvPr id="6" name="Gerade Verbindung mit Pfeil 5">
+            <a:extLst>
+              <a:ext uri="{FF2B5EF4-FFF2-40B4-BE49-F238E27FC236}">
+                <a16:creationId xmlns:a16="http://schemas.microsoft.com/office/drawing/2014/main" id="{B03462A0-5A53-475C-9B06-5B57A10B1B36}"/>
+              </a:ext>
+            </a:extLst>
+          </p:cNvPr>
+          <p:cNvCxnSpPr/>
+          <p:nvPr/>
+        </p:nvCxnSpPr>
+        <p:spPr>
+          <a:xfrm>
+            <a:off x="6347817" y="1837801"/>
+            <a:ext cx="0" cy="925664"/>
+          </a:xfrm>
+          <a:prstGeom prst="straightConnector1">
+            <a:avLst/>
+          </a:prstGeom>
+          <a:ln w="38100">
+            <a:tailEnd type="triangle"/>
+          </a:ln>
+        </p:spPr>
+        <p:style>
+          <a:lnRef idx="1">
+            <a:schemeClr val="accent2"/>
+          </a:lnRef>
+          <a:fillRef idx="0">
+            <a:schemeClr val="accent2"/>
+          </a:fillRef>
+          <a:effectRef idx="0">
+            <a:schemeClr val="accent2"/>
+          </a:effectRef>
+          <a:fontRef idx="minor">
+            <a:schemeClr val="tx1"/>
+          </a:fontRef>
+        </p:style>
+      </p:cxnSp>
+      <mc:AlternateContent xmlns:mc="http://schemas.openxmlformats.org/markup-compatibility/2006">
+        <mc:Choice xmlns:a14="http://schemas.microsoft.com/office/drawing/2010/main" Requires="a14">
+          <p:sp>
+            <p:nvSpPr>
+              <p:cNvPr id="7" name="Textfeld 6">
+                <a:extLst>
+                  <a:ext uri="{FF2B5EF4-FFF2-40B4-BE49-F238E27FC236}">
+                    <a16:creationId xmlns:a16="http://schemas.microsoft.com/office/drawing/2014/main" id="{9248C84D-35AC-468E-80E8-69F743931060}"/>
+                  </a:ext>
+                </a:extLst>
+              </p:cNvPr>
+              <p:cNvSpPr txBox="1"/>
+              <p:nvPr/>
+            </p:nvSpPr>
+            <p:spPr>
+              <a:xfrm>
+                <a:off x="1281008" y="933373"/>
+                <a:ext cx="640080" cy="369332"/>
+              </a:xfrm>
+              <a:prstGeom prst="rect">
+                <a:avLst/>
+              </a:prstGeom>
+              <a:noFill/>
+            </p:spPr>
+            <p:txBody>
+              <a:bodyPr wrap="square" rtlCol="0">
+                <a:spAutoFit/>
+              </a:bodyPr>
+              <a:lstStyle/>
+              <a:p>
+                <a:pPr/>
+                <a14:m>
+                  <m:oMathPara xmlns:m="http://schemas.openxmlformats.org/officeDocument/2006/math">
+                    <m:oMathParaPr>
+                      <m:jc m:val="centerGroup"/>
+                    </m:oMathParaPr>
+                    <m:oMath xmlns:m="http://schemas.openxmlformats.org/officeDocument/2006/math">
+                      <m:sSub>
+                        <m:sSubPr>
+                          <m:ctrlPr>
+                            <a:rPr lang="de-DE" i="1" smtClean="0">
+                              <a:latin typeface="Cambria Math" panose="02040503050406030204" pitchFamily="18" charset="0"/>
+                            </a:rPr>
+                          </m:ctrlPr>
+                        </m:sSubPr>
+                        <m:e>
+                          <m:r>
+                            <a:rPr lang="de-DE" b="0" i="1" smtClean="0">
+                              <a:latin typeface="Cambria Math" panose="02040503050406030204" pitchFamily="18" charset="0"/>
+                            </a:rPr>
+                            <m:t>𝑀</m:t>
+                          </m:r>
+                        </m:e>
+                        <m:sub>
+                          <m:r>
+                            <a:rPr lang="de-DE" b="0" i="1" smtClean="0">
+                              <a:latin typeface="Cambria Math" panose="02040503050406030204" pitchFamily="18" charset="0"/>
+                            </a:rPr>
+                            <m:t>𝑏</m:t>
+                          </m:r>
+                        </m:sub>
+                      </m:sSub>
+                    </m:oMath>
+                  </m:oMathPara>
+                </a14:m>
+                <a:endParaRPr lang="de-DE" dirty="0"/>
+              </a:p>
+            </p:txBody>
+          </p:sp>
+        </mc:Choice>
+        <mc:Fallback>
+          <p:sp>
+            <p:nvSpPr>
+              <p:cNvPr id="7" name="Textfeld 6">
+                <a:extLst>
+                  <a:ext uri="{FF2B5EF4-FFF2-40B4-BE49-F238E27FC236}">
+                    <a16:creationId xmlns:a16="http://schemas.microsoft.com/office/drawing/2014/main" id="{9248C84D-35AC-468E-80E8-69F743931060}"/>
+                  </a:ext>
+                </a:extLst>
+              </p:cNvPr>
+              <p:cNvSpPr txBox="1">
+                <a:spLocks noRot="1" noChangeAspect="1" noMove="1" noResize="1" noEditPoints="1" noAdjustHandles="1" noChangeArrowheads="1" noChangeShapeType="1" noTextEdit="1"/>
+              </p:cNvSpPr>
+              <p:nvPr/>
+            </p:nvSpPr>
+            <p:spPr>
+              <a:xfrm>
+                <a:off x="1281008" y="933373"/>
+                <a:ext cx="640080" cy="369332"/>
+              </a:xfrm>
+              <a:prstGeom prst="rect">
+                <a:avLst/>
+              </a:prstGeom>
+              <a:blipFill>
+                <a:blip r:embed="rId3"/>
+                <a:stretch>
+                  <a:fillRect/>
+                </a:stretch>
+              </a:blipFill>
+            </p:spPr>
+            <p:txBody>
+              <a:bodyPr/>
+              <a:lstStyle/>
+              <a:p>
+                <a:r>
+                  <a:rPr lang="de-DE">
+                    <a:noFill/>
+                  </a:rPr>
+                  <a:t> </a:t>
+                </a:r>
+              </a:p>
+            </p:txBody>
+          </p:sp>
+        </mc:Fallback>
+      </mc:AlternateContent>
+      <mc:AlternateContent xmlns:mc="http://schemas.openxmlformats.org/markup-compatibility/2006">
+        <mc:Choice xmlns:a14="http://schemas.microsoft.com/office/drawing/2010/main" Requires="a14">
+          <p:sp>
+            <p:nvSpPr>
+              <p:cNvPr id="8" name="Textfeld 7">
+                <a:extLst>
+                  <a:ext uri="{FF2B5EF4-FFF2-40B4-BE49-F238E27FC236}">
+                    <a16:creationId xmlns:a16="http://schemas.microsoft.com/office/drawing/2014/main" id="{EA873E73-E268-4CDE-97C4-8674D3EB88FC}"/>
+                  </a:ext>
+                </a:extLst>
+              </p:cNvPr>
+              <p:cNvSpPr txBox="1"/>
+              <p:nvPr/>
+            </p:nvSpPr>
+            <p:spPr>
+              <a:xfrm>
+                <a:off x="6448803" y="2178033"/>
+                <a:ext cx="504998" cy="369332"/>
+              </a:xfrm>
+              <a:prstGeom prst="rect">
+                <a:avLst/>
+              </a:prstGeom>
+              <a:noFill/>
+            </p:spPr>
+            <p:txBody>
+              <a:bodyPr wrap="square" rtlCol="0">
+                <a:spAutoFit/>
+              </a:bodyPr>
+              <a:lstStyle/>
+              <a:p>
+                <a:pPr/>
+                <a14:m>
+                  <m:oMathPara xmlns:m="http://schemas.openxmlformats.org/officeDocument/2006/math">
+                    <m:oMathParaPr>
+                      <m:jc m:val="centerGroup"/>
+                    </m:oMathParaPr>
+                    <m:oMath xmlns:m="http://schemas.openxmlformats.org/officeDocument/2006/math">
+                      <m:sSub>
+                        <m:sSubPr>
+                          <m:ctrlPr>
+                            <a:rPr lang="de-DE" i="1" smtClean="0">
+                              <a:latin typeface="Cambria Math" panose="02040503050406030204" pitchFamily="18" charset="0"/>
+                            </a:rPr>
+                          </m:ctrlPr>
+                        </m:sSubPr>
+                        <m:e>
+                          <m:r>
+                            <a:rPr lang="de-DE" b="0" i="1" smtClean="0">
+                              <a:latin typeface="Cambria Math" panose="02040503050406030204" pitchFamily="18" charset="0"/>
+                            </a:rPr>
+                            <m:t>𝐹</m:t>
+                          </m:r>
+                        </m:e>
+                        <m:sub>
+                          <m:r>
+                            <a:rPr lang="de-DE" b="0" i="1" smtClean="0">
+                              <a:latin typeface="Cambria Math" panose="02040503050406030204" pitchFamily="18" charset="0"/>
+                            </a:rPr>
+                            <m:t>𝐾</m:t>
+                          </m:r>
+                          <m:r>
+                            <a:rPr lang="de-DE" b="0" i="1" smtClean="0">
+                              <a:latin typeface="Cambria Math" panose="02040503050406030204" pitchFamily="18" charset="0"/>
+                            </a:rPr>
+                            <m:t>𝑧</m:t>
+                          </m:r>
+                        </m:sub>
+                      </m:sSub>
+                    </m:oMath>
+                  </m:oMathPara>
+                </a14:m>
+                <a:endParaRPr lang="de-DE" dirty="0"/>
+              </a:p>
+            </p:txBody>
+          </p:sp>
+        </mc:Choice>
+        <mc:Fallback>
+          <p:sp>
+            <p:nvSpPr>
+              <p:cNvPr id="8" name="Textfeld 7">
+                <a:extLst>
+                  <a:ext uri="{FF2B5EF4-FFF2-40B4-BE49-F238E27FC236}">
+                    <a16:creationId xmlns:a16="http://schemas.microsoft.com/office/drawing/2014/main" id="{EA873E73-E268-4CDE-97C4-8674D3EB88FC}"/>
+                  </a:ext>
+                </a:extLst>
+              </p:cNvPr>
+              <p:cNvSpPr txBox="1">
+                <a:spLocks noRot="1" noChangeAspect="1" noMove="1" noResize="1" noEditPoints="1" noAdjustHandles="1" noChangeArrowheads="1" noChangeShapeType="1" noTextEdit="1"/>
+              </p:cNvSpPr>
+              <p:nvPr/>
+            </p:nvSpPr>
+            <p:spPr>
+              <a:xfrm>
+                <a:off x="6448803" y="2178033"/>
+                <a:ext cx="504998" cy="369332"/>
+              </a:xfrm>
+              <a:prstGeom prst="rect">
+                <a:avLst/>
+              </a:prstGeom>
+              <a:blipFill>
+                <a:blip r:embed="rId4"/>
+                <a:stretch>
+                  <a:fillRect/>
+                </a:stretch>
+              </a:blipFill>
+            </p:spPr>
+            <p:txBody>
+              <a:bodyPr/>
+              <a:lstStyle/>
+              <a:p>
+                <a:r>
+                  <a:rPr lang="de-DE">
+                    <a:noFill/>
+                  </a:rPr>
+                  <a:t> </a:t>
+                </a:r>
+              </a:p>
+            </p:txBody>
+          </p:sp>
+        </mc:Fallback>
+      </mc:AlternateContent>
+      <p:sp>
+        <p:nvSpPr>
+          <p:cNvPr id="9" name="Nach links gekrümmter Pfeil 8">
+            <a:extLst>
+              <a:ext uri="{FF2B5EF4-FFF2-40B4-BE49-F238E27FC236}">
+                <a16:creationId xmlns:a16="http://schemas.microsoft.com/office/drawing/2014/main" id="{E79B5EB9-F2C3-450F-BFCA-76392EBDB6BE}"/>
+              </a:ext>
+            </a:extLst>
+          </p:cNvPr>
+          <p:cNvSpPr/>
+          <p:nvPr/>
+        </p:nvSpPr>
+        <p:spPr>
+          <a:xfrm rot="10800000">
+            <a:off x="1479225" y="1105387"/>
+            <a:ext cx="731520" cy="1216152"/>
+          </a:xfrm>
+          <a:prstGeom prst="curvedLeftArrow">
+            <a:avLst/>
+          </a:prstGeom>
+        </p:spPr>
+        <p:style>
+          <a:lnRef idx="2">
+            <a:schemeClr val="accent1">
+              <a:shade val="50000"/>
+            </a:schemeClr>
+          </a:lnRef>
+          <a:fillRef idx="1">
+            <a:schemeClr val="accent1"/>
+          </a:fillRef>
+          <a:effectRef idx="0">
+            <a:schemeClr val="accent1"/>
+          </a:effectRef>
+          <a:fontRef idx="minor">
+            <a:schemeClr val="lt1"/>
+          </a:fontRef>
+        </p:style>
+        <p:txBody>
+          <a:bodyPr rtlCol="0" anchor="ctr"/>
+          <a:lstStyle/>
+          <a:p>
+            <a:pPr algn="ctr"/>
+            <a:endParaRPr lang="de-DE">
+              <a:solidFill>
+                <a:schemeClr val="tx1"/>
+              </a:solidFill>
+            </a:endParaRPr>
+          </a:p>
+        </p:txBody>
+      </p:sp>
+      <p:cxnSp>
+        <p:nvCxnSpPr>
+          <p:cNvPr id="10" name="Gerade Verbindung mit Pfeil 9">
+            <a:extLst>
+              <a:ext uri="{FF2B5EF4-FFF2-40B4-BE49-F238E27FC236}">
+                <a16:creationId xmlns:a16="http://schemas.microsoft.com/office/drawing/2014/main" id="{9E79A1CC-0B1E-422A-B103-2C7D8F2AC2F6}"/>
+              </a:ext>
+            </a:extLst>
+          </p:cNvPr>
+          <p:cNvCxnSpPr/>
+          <p:nvPr/>
+        </p:nvCxnSpPr>
+        <p:spPr>
+          <a:xfrm>
+            <a:off x="4704191" y="1858707"/>
+            <a:ext cx="0" cy="925664"/>
+          </a:xfrm>
+          <a:prstGeom prst="straightConnector1">
+            <a:avLst/>
+          </a:prstGeom>
+          <a:ln w="38100">
+            <a:tailEnd type="triangle"/>
+          </a:ln>
+        </p:spPr>
+        <p:style>
+          <a:lnRef idx="1">
+            <a:schemeClr val="accent2"/>
+          </a:lnRef>
+          <a:fillRef idx="0">
+            <a:schemeClr val="accent2"/>
+          </a:fillRef>
+          <a:effectRef idx="0">
+            <a:schemeClr val="accent2"/>
+          </a:effectRef>
+          <a:fontRef idx="minor">
+            <a:schemeClr val="tx1"/>
+          </a:fontRef>
+        </p:style>
+      </p:cxnSp>
+      <mc:AlternateContent xmlns:mc="http://schemas.openxmlformats.org/markup-compatibility/2006">
+        <mc:Choice xmlns:a14="http://schemas.microsoft.com/office/drawing/2010/main" Requires="a14">
+          <p:sp>
+            <p:nvSpPr>
+              <p:cNvPr id="11" name="Textfeld 10">
+                <a:extLst>
+                  <a:ext uri="{FF2B5EF4-FFF2-40B4-BE49-F238E27FC236}">
+                    <a16:creationId xmlns:a16="http://schemas.microsoft.com/office/drawing/2014/main" id="{26E3B98E-97B6-46CD-9FA1-7146B32A8DD3}"/>
+                  </a:ext>
+                </a:extLst>
+              </p:cNvPr>
+              <p:cNvSpPr txBox="1"/>
+              <p:nvPr/>
+            </p:nvSpPr>
+            <p:spPr>
+              <a:xfrm>
+                <a:off x="4108934" y="2239512"/>
+                <a:ext cx="587341" cy="369332"/>
+              </a:xfrm>
+              <a:prstGeom prst="rect">
+                <a:avLst/>
+              </a:prstGeom>
+              <a:noFill/>
+            </p:spPr>
+            <p:txBody>
+              <a:bodyPr wrap="square" rtlCol="0">
+                <a:spAutoFit/>
+              </a:bodyPr>
+              <a:lstStyle/>
+              <a:p>
+                <a:pPr/>
+                <a14:m>
+                  <m:oMathPara xmlns:m="http://schemas.openxmlformats.org/officeDocument/2006/math">
+                    <m:oMathParaPr>
+                      <m:jc m:val="centerGroup"/>
+                    </m:oMathParaPr>
+                    <m:oMath xmlns:m="http://schemas.openxmlformats.org/officeDocument/2006/math">
+                      <m:sSub>
+                        <m:sSubPr>
+                          <m:ctrlPr>
+                            <a:rPr lang="de-DE" i="1" smtClean="0">
+                              <a:latin typeface="Cambria Math" panose="02040503050406030204" pitchFamily="18" charset="0"/>
+                            </a:rPr>
+                          </m:ctrlPr>
+                        </m:sSubPr>
+                        <m:e>
+                          <m:r>
+                            <a:rPr lang="de-DE" b="0" i="1" smtClean="0">
+                              <a:latin typeface="Cambria Math" panose="02040503050406030204" pitchFamily="18" charset="0"/>
+                            </a:rPr>
+                            <m:t>𝐹</m:t>
+                          </m:r>
+                        </m:e>
+                        <m:sub>
+                          <m:r>
+                            <a:rPr lang="de-DE" b="0" i="1" smtClean="0">
+                              <a:latin typeface="Cambria Math" panose="02040503050406030204" pitchFamily="18" charset="0"/>
+                            </a:rPr>
+                            <m:t>𝐵</m:t>
+                          </m:r>
+                          <m:r>
+                            <a:rPr lang="de-DE" b="0" i="1" smtClean="0">
+                              <a:latin typeface="Cambria Math" panose="02040503050406030204" pitchFamily="18" charset="0"/>
+                            </a:rPr>
+                            <m:t>𝑧</m:t>
+                          </m:r>
+                        </m:sub>
+                      </m:sSub>
+                    </m:oMath>
+                  </m:oMathPara>
+                </a14:m>
+                <a:endParaRPr lang="de-DE" dirty="0"/>
+              </a:p>
+            </p:txBody>
+          </p:sp>
+        </mc:Choice>
+        <mc:Fallback>
+          <p:sp>
+            <p:nvSpPr>
+              <p:cNvPr id="11" name="Textfeld 10">
+                <a:extLst>
+                  <a:ext uri="{FF2B5EF4-FFF2-40B4-BE49-F238E27FC236}">
+                    <a16:creationId xmlns:a16="http://schemas.microsoft.com/office/drawing/2014/main" id="{26E3B98E-97B6-46CD-9FA1-7146B32A8DD3}"/>
+                  </a:ext>
+                </a:extLst>
+              </p:cNvPr>
+              <p:cNvSpPr txBox="1">
+                <a:spLocks noRot="1" noChangeAspect="1" noMove="1" noResize="1" noEditPoints="1" noAdjustHandles="1" noChangeArrowheads="1" noChangeShapeType="1" noTextEdit="1"/>
+              </p:cNvSpPr>
+              <p:nvPr/>
+            </p:nvSpPr>
+            <p:spPr>
+              <a:xfrm>
+                <a:off x="4108934" y="2239512"/>
+                <a:ext cx="587341" cy="369332"/>
+              </a:xfrm>
+              <a:prstGeom prst="rect">
+                <a:avLst/>
+              </a:prstGeom>
+              <a:blipFill>
+                <a:blip r:embed="rId5"/>
+                <a:stretch>
+                  <a:fillRect/>
+                </a:stretch>
+              </a:blipFill>
+            </p:spPr>
+            <p:txBody>
+              <a:bodyPr/>
+              <a:lstStyle/>
+              <a:p>
+                <a:r>
+                  <a:rPr lang="de-DE">
+                    <a:noFill/>
+                  </a:rPr>
+                  <a:t> </a:t>
+                </a:r>
+              </a:p>
+            </p:txBody>
+          </p:sp>
+        </mc:Fallback>
+      </mc:AlternateContent>
+    </p:spTree>
+    <p:extLst>
+      <p:ext uri="{BB962C8B-B14F-4D97-AF65-F5344CB8AC3E}">
+        <p14:creationId xmlns:p14="http://schemas.microsoft.com/office/powerpoint/2010/main" val="3887332322"/>
+      </p:ext>
+    </p:extLst>
+  </p:cSld>
+  <p:clrMapOvr>
+    <a:masterClrMapping/>
+  </p:clrMapOvr>
 </p:sld>
 </file>
 
